--- a/СТАНОВЛЕНИЕ И РАЗВИТИЕ ПСИХОЛОГИИ В РОССИИ.pptx
+++ b/СТАНОВЛЕНИЕ И РАЗВИТИЕ ПСИХОЛОГИИ В РОССИИ.pptx
@@ -5,11 +5,17 @@
     <p:sldMasterId id="2147483648" r:id="rId1"/>
   </p:sldMasterIdLst>
   <p:notesMasterIdLst>
-    <p:notesMasterId r:id="rId4"/>
+    <p:notesMasterId r:id="rId10"/>
   </p:notesMasterIdLst>
   <p:sldIdLst>
     <p:sldId id="260" r:id="rId2"/>
     <p:sldId id="258" r:id="rId3"/>
+    <p:sldId id="261" r:id="rId4"/>
+    <p:sldId id="262" r:id="rId5"/>
+    <p:sldId id="263" r:id="rId6"/>
+    <p:sldId id="264" r:id="rId7"/>
+    <p:sldId id="265" r:id="rId8"/>
+    <p:sldId id="266" r:id="rId9"/>
   </p:sldIdLst>
   <p:sldSz cx="12192000" cy="6858000"/>
   <p:notesSz cx="6858000" cy="9144000"/>
@@ -108,6 +114,11 @@
       </a:defRPr>
     </a:lvl9pPr>
   </p:defaultTextStyle>
+  <p:extLst>
+    <p:ext uri="{EFAFB233-063F-42B5-8137-9DF3F51BA10A}">
+      <p15:sldGuideLst xmlns:p15="http://schemas.microsoft.com/office/powerpoint/2012/main"/>
+    </p:ext>
+  </p:extLst>
 </p:presentation>
 </file>
 
@@ -160,7 +171,7 @@
             </a:lvl1pPr>
           </a:lstStyle>
           <a:p>
-            <a:endParaRPr lang="ru-RU"/>
+            <a:endParaRPr lang="ru-RU" dirty="0"/>
           </a:p>
         </p:txBody>
       </p:sp>
@@ -193,9 +204,9 @@
           <a:p>
             <a:fld id="{FA07697B-0C97-4A55-9878-8211CE9FFAF3}" type="datetimeFigureOut">
               <a:rPr lang="ru-RU" smtClean="0"/>
-              <a:t>18.09.2025</a:t>
+              <a:t>20.09.2025</a:t>
             </a:fld>
-            <a:endParaRPr lang="ru-RU"/>
+            <a:endParaRPr lang="ru-RU" dirty="0"/>
           </a:p>
         </p:txBody>
       </p:sp>
@@ -228,7 +239,7 @@
           <a:bodyPr vert="horz" lIns="91440" tIns="45720" rIns="91440" bIns="45720" rtlCol="0" anchor="ctr"/>
           <a:lstStyle/>
           <a:p>
-            <a:endParaRPr lang="ru-RU"/>
+            <a:endParaRPr lang="ru-RU" dirty="0"/>
           </a:p>
         </p:txBody>
       </p:sp>
@@ -318,7 +329,7 @@
             </a:lvl1pPr>
           </a:lstStyle>
           <a:p>
-            <a:endParaRPr lang="ru-RU"/>
+            <a:endParaRPr lang="ru-RU" dirty="0"/>
           </a:p>
         </p:txBody>
       </p:sp>
@@ -353,7 +364,7 @@
               <a:rPr lang="ru-RU" smtClean="0"/>
               <a:t>‹#›</a:t>
             </a:fld>
-            <a:endParaRPr lang="ru-RU"/>
+            <a:endParaRPr lang="ru-RU" dirty="0"/>
           </a:p>
         </p:txBody>
       </p:sp>
@@ -515,9 +526,9 @@
           <a:p>
             <a:fld id="{BB0B8E44-4042-4A4D-BD9E-0D9221AD271A}" type="datetimeFigureOut">
               <a:rPr lang="ru-RU" smtClean="0"/>
-              <a:t>18.09.2025</a:t>
+              <a:t>20.09.2025</a:t>
             </a:fld>
-            <a:endParaRPr lang="ru-RU"/>
+            <a:endParaRPr lang="ru-RU" dirty="0"/>
           </a:p>
         </p:txBody>
       </p:sp>
@@ -542,7 +553,7 @@
           <a:bodyPr/>
           <a:lstStyle/>
           <a:p>
-            <a:endParaRPr lang="ru-RU"/>
+            <a:endParaRPr lang="ru-RU" dirty="0"/>
           </a:p>
         </p:txBody>
       </p:sp>
@@ -571,7 +582,7 @@
               <a:rPr lang="ru-RU" smtClean="0"/>
               <a:t>‹#›</a:t>
             </a:fld>
-            <a:endParaRPr lang="ru-RU"/>
+            <a:endParaRPr lang="ru-RU" dirty="0"/>
           </a:p>
         </p:txBody>
       </p:sp>
@@ -1015,9 +1026,9 @@
           <a:p>
             <a:fld id="{BB0B8E44-4042-4A4D-BD9E-0D9221AD271A}" type="datetimeFigureOut">
               <a:rPr lang="ru-RU" smtClean="0"/>
-              <a:t>18.09.2025</a:t>
+              <a:t>20.09.2025</a:t>
             </a:fld>
-            <a:endParaRPr lang="ru-RU"/>
+            <a:endParaRPr lang="ru-RU" dirty="0"/>
           </a:p>
         </p:txBody>
       </p:sp>
@@ -1042,7 +1053,7 @@
           <a:bodyPr/>
           <a:lstStyle/>
           <a:p>
-            <a:endParaRPr lang="ru-RU"/>
+            <a:endParaRPr lang="ru-RU" dirty="0"/>
           </a:p>
         </p:txBody>
       </p:sp>
@@ -1071,7 +1082,7 @@
               <a:rPr lang="ru-RU" smtClean="0"/>
               <a:t>‹#›</a:t>
             </a:fld>
-            <a:endParaRPr lang="ru-RU"/>
+            <a:endParaRPr lang="ru-RU" dirty="0"/>
           </a:p>
         </p:txBody>
       </p:sp>
@@ -1233,9 +1244,9 @@
           <a:p>
             <a:fld id="{BB0B8E44-4042-4A4D-BD9E-0D9221AD271A}" type="datetimeFigureOut">
               <a:rPr lang="ru-RU" smtClean="0"/>
-              <a:t>18.09.2025</a:t>
+              <a:t>20.09.2025</a:t>
             </a:fld>
-            <a:endParaRPr lang="ru-RU"/>
+            <a:endParaRPr lang="ru-RU" dirty="0"/>
           </a:p>
         </p:txBody>
       </p:sp>
@@ -1260,7 +1271,7 @@
           <a:bodyPr/>
           <a:lstStyle/>
           <a:p>
-            <a:endParaRPr lang="ru-RU"/>
+            <a:endParaRPr lang="ru-RU" dirty="0"/>
           </a:p>
         </p:txBody>
       </p:sp>
@@ -1289,7 +1300,7 @@
               <a:rPr lang="ru-RU" smtClean="0"/>
               <a:t>‹#›</a:t>
             </a:fld>
-            <a:endParaRPr lang="ru-RU"/>
+            <a:endParaRPr lang="ru-RU" dirty="0"/>
           </a:p>
         </p:txBody>
       </p:sp>
@@ -1346,7 +1357,7 @@
           <a:p>
             <a:fld id="{2C0D544C-1EFD-4420-A77D-8BC44231D6AE}" type="datetimeFigureOut">
               <a:rPr lang="ru-RU" smtClean="0"/>
-              <a:t>18.09.2025</a:t>
+              <a:t>20.09.2025</a:t>
             </a:fld>
             <a:endParaRPr lang="ru-RU" dirty="0"/>
           </a:p>
@@ -1684,9 +1695,9 @@
           <a:p>
             <a:fld id="{BB0B8E44-4042-4A4D-BD9E-0D9221AD271A}" type="datetimeFigureOut">
               <a:rPr lang="ru-RU" smtClean="0"/>
-              <a:t>18.09.2025</a:t>
+              <a:t>20.09.2025</a:t>
             </a:fld>
-            <a:endParaRPr lang="ru-RU"/>
+            <a:endParaRPr lang="ru-RU" dirty="0"/>
           </a:p>
         </p:txBody>
       </p:sp>
@@ -1711,7 +1722,7 @@
           <a:bodyPr/>
           <a:lstStyle/>
           <a:p>
-            <a:endParaRPr lang="ru-RU"/>
+            <a:endParaRPr lang="ru-RU" dirty="0"/>
           </a:p>
         </p:txBody>
       </p:sp>
@@ -1740,7 +1751,7 @@
               <a:rPr lang="ru-RU" smtClean="0"/>
               <a:t>‹#›</a:t>
             </a:fld>
-            <a:endParaRPr lang="ru-RU"/>
+            <a:endParaRPr lang="ru-RU" dirty="0"/>
           </a:p>
         </p:txBody>
       </p:sp>
@@ -1965,9 +1976,9 @@
           <a:p>
             <a:fld id="{BB0B8E44-4042-4A4D-BD9E-0D9221AD271A}" type="datetimeFigureOut">
               <a:rPr lang="ru-RU" smtClean="0"/>
-              <a:t>18.09.2025</a:t>
+              <a:t>20.09.2025</a:t>
             </a:fld>
-            <a:endParaRPr lang="ru-RU"/>
+            <a:endParaRPr lang="ru-RU" dirty="0"/>
           </a:p>
         </p:txBody>
       </p:sp>
@@ -1992,7 +2003,7 @@
           <a:bodyPr/>
           <a:lstStyle/>
           <a:p>
-            <a:endParaRPr lang="ru-RU"/>
+            <a:endParaRPr lang="ru-RU" dirty="0"/>
           </a:p>
         </p:txBody>
       </p:sp>
@@ -2021,7 +2032,7 @@
               <a:rPr lang="ru-RU" smtClean="0"/>
               <a:t>‹#›</a:t>
             </a:fld>
-            <a:endParaRPr lang="ru-RU"/>
+            <a:endParaRPr lang="ru-RU" dirty="0"/>
           </a:p>
         </p:txBody>
       </p:sp>
@@ -2244,9 +2255,9 @@
           <a:p>
             <a:fld id="{BB0B8E44-4042-4A4D-BD9E-0D9221AD271A}" type="datetimeFigureOut">
               <a:rPr lang="ru-RU" smtClean="0"/>
-              <a:t>18.09.2025</a:t>
+              <a:t>20.09.2025</a:t>
             </a:fld>
-            <a:endParaRPr lang="ru-RU"/>
+            <a:endParaRPr lang="ru-RU" dirty="0"/>
           </a:p>
         </p:txBody>
       </p:sp>
@@ -2271,7 +2282,7 @@
           <a:bodyPr/>
           <a:lstStyle/>
           <a:p>
-            <a:endParaRPr lang="ru-RU"/>
+            <a:endParaRPr lang="ru-RU" dirty="0"/>
           </a:p>
         </p:txBody>
       </p:sp>
@@ -2300,7 +2311,7 @@
               <a:rPr lang="ru-RU" smtClean="0"/>
               <a:t>‹#›</a:t>
             </a:fld>
-            <a:endParaRPr lang="ru-RU"/>
+            <a:endParaRPr lang="ru-RU" dirty="0"/>
           </a:p>
         </p:txBody>
       </p:sp>
@@ -2671,9 +2682,9 @@
           <a:p>
             <a:fld id="{BB0B8E44-4042-4A4D-BD9E-0D9221AD271A}" type="datetimeFigureOut">
               <a:rPr lang="ru-RU" smtClean="0"/>
-              <a:t>18.09.2025</a:t>
+              <a:t>20.09.2025</a:t>
             </a:fld>
-            <a:endParaRPr lang="ru-RU"/>
+            <a:endParaRPr lang="ru-RU" dirty="0"/>
           </a:p>
         </p:txBody>
       </p:sp>
@@ -2698,7 +2709,7 @@
           <a:bodyPr/>
           <a:lstStyle/>
           <a:p>
-            <a:endParaRPr lang="ru-RU"/>
+            <a:endParaRPr lang="ru-RU" dirty="0"/>
           </a:p>
         </p:txBody>
       </p:sp>
@@ -2727,7 +2738,7 @@
               <a:rPr lang="ru-RU" smtClean="0"/>
               <a:t>‹#›</a:t>
             </a:fld>
-            <a:endParaRPr lang="ru-RU"/>
+            <a:endParaRPr lang="ru-RU" dirty="0"/>
           </a:p>
         </p:txBody>
       </p:sp>
@@ -2820,9 +2831,9 @@
           <a:p>
             <a:fld id="{BB0B8E44-4042-4A4D-BD9E-0D9221AD271A}" type="datetimeFigureOut">
               <a:rPr lang="ru-RU" smtClean="0"/>
-              <a:t>18.09.2025</a:t>
+              <a:t>20.09.2025</a:t>
             </a:fld>
-            <a:endParaRPr lang="ru-RU"/>
+            <a:endParaRPr lang="ru-RU" dirty="0"/>
           </a:p>
         </p:txBody>
       </p:sp>
@@ -2847,7 +2858,7 @@
           <a:bodyPr/>
           <a:lstStyle/>
           <a:p>
-            <a:endParaRPr lang="ru-RU"/>
+            <a:endParaRPr lang="ru-RU" dirty="0"/>
           </a:p>
         </p:txBody>
       </p:sp>
@@ -2876,7 +2887,7 @@
               <a:rPr lang="ru-RU" smtClean="0"/>
               <a:t>‹#›</a:t>
             </a:fld>
-            <a:endParaRPr lang="ru-RU"/>
+            <a:endParaRPr lang="ru-RU" dirty="0"/>
           </a:p>
         </p:txBody>
       </p:sp>
@@ -2933,9 +2944,9 @@
           <a:p>
             <a:fld id="{BB0B8E44-4042-4A4D-BD9E-0D9221AD271A}" type="datetimeFigureOut">
               <a:rPr lang="ru-RU" smtClean="0"/>
-              <a:t>18.09.2025</a:t>
+              <a:t>20.09.2025</a:t>
             </a:fld>
-            <a:endParaRPr lang="ru-RU"/>
+            <a:endParaRPr lang="ru-RU" dirty="0"/>
           </a:p>
         </p:txBody>
       </p:sp>
@@ -2960,7 +2971,7 @@
           <a:bodyPr/>
           <a:lstStyle/>
           <a:p>
-            <a:endParaRPr lang="ru-RU"/>
+            <a:endParaRPr lang="ru-RU" dirty="0"/>
           </a:p>
         </p:txBody>
       </p:sp>
@@ -2989,7 +3000,7 @@
               <a:rPr lang="ru-RU" smtClean="0"/>
               <a:t>‹#›</a:t>
             </a:fld>
-            <a:endParaRPr lang="ru-RU"/>
+            <a:endParaRPr lang="ru-RU" dirty="0"/>
           </a:p>
         </p:txBody>
       </p:sp>
@@ -3253,9 +3264,9 @@
           <a:p>
             <a:fld id="{BB0B8E44-4042-4A4D-BD9E-0D9221AD271A}" type="datetimeFigureOut">
               <a:rPr lang="ru-RU" smtClean="0"/>
-              <a:t>18.09.2025</a:t>
+              <a:t>20.09.2025</a:t>
             </a:fld>
-            <a:endParaRPr lang="ru-RU"/>
+            <a:endParaRPr lang="ru-RU" dirty="0"/>
           </a:p>
         </p:txBody>
       </p:sp>
@@ -3280,7 +3291,7 @@
           <a:bodyPr/>
           <a:lstStyle/>
           <a:p>
-            <a:endParaRPr lang="ru-RU"/>
+            <a:endParaRPr lang="ru-RU" dirty="0"/>
           </a:p>
         </p:txBody>
       </p:sp>
@@ -3309,7 +3320,7 @@
               <a:rPr lang="ru-RU" smtClean="0"/>
               <a:t>‹#›</a:t>
             </a:fld>
-            <a:endParaRPr lang="ru-RU"/>
+            <a:endParaRPr lang="ru-RU" dirty="0"/>
           </a:p>
         </p:txBody>
       </p:sp>
@@ -3449,7 +3460,7 @@
             </a:lvl9pPr>
           </a:lstStyle>
           <a:p>
-            <a:endParaRPr lang="ru-RU"/>
+            <a:endParaRPr lang="ru-RU" dirty="0"/>
           </a:p>
         </p:txBody>
       </p:sp>
@@ -3550,9 +3561,9 @@
           <a:p>
             <a:fld id="{BB0B8E44-4042-4A4D-BD9E-0D9221AD271A}" type="datetimeFigureOut">
               <a:rPr lang="ru-RU" smtClean="0"/>
-              <a:t>18.09.2025</a:t>
+              <a:t>20.09.2025</a:t>
             </a:fld>
-            <a:endParaRPr lang="ru-RU"/>
+            <a:endParaRPr lang="ru-RU" dirty="0"/>
           </a:p>
         </p:txBody>
       </p:sp>
@@ -3577,7 +3588,7 @@
           <a:bodyPr/>
           <a:lstStyle/>
           <a:p>
-            <a:endParaRPr lang="ru-RU"/>
+            <a:endParaRPr lang="ru-RU" dirty="0"/>
           </a:p>
         </p:txBody>
       </p:sp>
@@ -3606,7 +3617,7 @@
               <a:rPr lang="ru-RU" smtClean="0"/>
               <a:t>‹#›</a:t>
             </a:fld>
-            <a:endParaRPr lang="ru-RU"/>
+            <a:endParaRPr lang="ru-RU" dirty="0"/>
           </a:p>
         </p:txBody>
       </p:sp>
@@ -3686,9 +3697,9 @@
           <a:p>
             <a:fld id="{BB0B8E44-4042-4A4D-BD9E-0D9221AD271A}" type="datetimeFigureOut">
               <a:rPr lang="ru-RU" smtClean="0"/>
-              <a:t>18.09.2025</a:t>
+              <a:t>20.09.2025</a:t>
             </a:fld>
-            <a:endParaRPr lang="ru-RU"/>
+            <a:endParaRPr lang="ru-RU" dirty="0"/>
           </a:p>
         </p:txBody>
       </p:sp>
@@ -3731,7 +3742,7 @@
             </a:lvl1pPr>
           </a:lstStyle>
           <a:p>
-            <a:endParaRPr lang="ru-RU"/>
+            <a:endParaRPr lang="ru-RU" dirty="0"/>
           </a:p>
         </p:txBody>
       </p:sp>
@@ -3778,7 +3789,7 @@
               <a:rPr lang="ru-RU" smtClean="0"/>
               <a:t>‹#›</a:t>
             </a:fld>
-            <a:endParaRPr lang="ru-RU"/>
+            <a:endParaRPr lang="ru-RU" dirty="0"/>
           </a:p>
         </p:txBody>
       </p:sp>
@@ -4134,10 +4145,1643 @@
           <a:chExt cx="0" cy="0"/>
         </a:xfrm>
       </p:grpSpPr>
+      <p:sp>
+        <p:nvSpPr>
+          <p:cNvPr id="2" name="TextBox 1">
+            <a:extLst>
+              <a:ext uri="{FF2B5EF4-FFF2-40B4-BE49-F238E27FC236}">
+                <a16:creationId xmlns:a16="http://schemas.microsoft.com/office/drawing/2014/main" id="{54D29D9B-CE02-F6BB-0EF4-8DC836A8DE74}"/>
+              </a:ext>
+            </a:extLst>
+          </p:cNvPr>
+          <p:cNvSpPr txBox="1"/>
+          <p:nvPr/>
+        </p:nvSpPr>
+        <p:spPr>
+          <a:xfrm>
+            <a:off x="975769" y="889852"/>
+            <a:ext cx="10267055" cy="461665"/>
+          </a:xfrm>
+          <a:prstGeom prst="rect">
+            <a:avLst/>
+          </a:prstGeom>
+          <a:noFill/>
+        </p:spPr>
+        <p:txBody>
+          <a:bodyPr wrap="square" rtlCol="0">
+            <a:spAutoFit/>
+          </a:bodyPr>
+          <a:lstStyle/>
+          <a:p>
+            <a:pPr algn="ctr"/>
+            <a:r>
+              <a:rPr lang="ru-RU" sz="2400" b="1" dirty="0">
+                <a:latin typeface="Times New Roman" panose="02020603050405020304" pitchFamily="18" charset="0"/>
+                <a:cs typeface="Times New Roman" panose="02020603050405020304" pitchFamily="18" charset="0"/>
+              </a:rPr>
+              <a:t>Отечественная психологическая наука во второй половине XIX века</a:t>
+            </a:r>
+          </a:p>
+        </p:txBody>
+      </p:sp>
+      <p:pic>
+        <p:nvPicPr>
+          <p:cNvPr id="4" name="Рисунок 3">
+            <a:extLst>
+              <a:ext uri="{FF2B5EF4-FFF2-40B4-BE49-F238E27FC236}">
+                <a16:creationId xmlns:a16="http://schemas.microsoft.com/office/drawing/2014/main" id="{2125EEB9-21CE-A88B-3AAD-3408BDBD2D8C}"/>
+              </a:ext>
+            </a:extLst>
+          </p:cNvPr>
+          <p:cNvPicPr>
+            <a:picLocks noChangeAspect="1"/>
+          </p:cNvPicPr>
+          <p:nvPr/>
+        </p:nvPicPr>
+        <p:blipFill>
+          <a:blip r:embed="rId2">
+            <a:extLst>
+              <a:ext uri="{28A0092B-C50C-407E-A947-70E740481C1C}">
+                <a14:useLocalDpi xmlns:a14="http://schemas.microsoft.com/office/drawing/2010/main" val="0"/>
+              </a:ext>
+            </a:extLst>
+          </a:blip>
+          <a:stretch>
+            <a:fillRect/>
+          </a:stretch>
+        </p:blipFill>
+        <p:spPr>
+          <a:xfrm>
+            <a:off x="552963" y="1793750"/>
+            <a:ext cx="2668919" cy="3152601"/>
+          </a:xfrm>
+          <a:prstGeom prst="rect">
+            <a:avLst/>
+          </a:prstGeom>
+        </p:spPr>
+      </p:pic>
+      <p:pic>
+        <p:nvPicPr>
+          <p:cNvPr id="6" name="Рисунок 5">
+            <a:extLst>
+              <a:ext uri="{FF2B5EF4-FFF2-40B4-BE49-F238E27FC236}">
+                <a16:creationId xmlns:a16="http://schemas.microsoft.com/office/drawing/2014/main" id="{D22BFC8A-CE18-B6E9-19D3-BE9605B634D3}"/>
+              </a:ext>
+            </a:extLst>
+          </p:cNvPr>
+          <p:cNvPicPr>
+            <a:picLocks noChangeAspect="1"/>
+          </p:cNvPicPr>
+          <p:nvPr/>
+        </p:nvPicPr>
+        <p:blipFill>
+          <a:blip r:embed="rId3">
+            <a:extLst>
+              <a:ext uri="{28A0092B-C50C-407E-A947-70E740481C1C}">
+                <a14:useLocalDpi xmlns:a14="http://schemas.microsoft.com/office/drawing/2010/main" val="0"/>
+              </a:ext>
+            </a:extLst>
+          </a:blip>
+          <a:stretch>
+            <a:fillRect/>
+          </a:stretch>
+        </p:blipFill>
+        <p:spPr>
+          <a:xfrm>
+            <a:off x="3817162" y="1793749"/>
+            <a:ext cx="1982222" cy="3152602"/>
+          </a:xfrm>
+          <a:prstGeom prst="rect">
+            <a:avLst/>
+          </a:prstGeom>
+        </p:spPr>
+      </p:pic>
+      <p:pic>
+        <p:nvPicPr>
+          <p:cNvPr id="8" name="Рисунок 7">
+            <a:extLst>
+              <a:ext uri="{FF2B5EF4-FFF2-40B4-BE49-F238E27FC236}">
+                <a16:creationId xmlns:a16="http://schemas.microsoft.com/office/drawing/2014/main" id="{62D2DAF1-A2F8-4CE1-9927-58980C938BC5}"/>
+              </a:ext>
+            </a:extLst>
+          </p:cNvPr>
+          <p:cNvPicPr>
+            <a:picLocks noChangeAspect="1"/>
+          </p:cNvPicPr>
+          <p:nvPr/>
+        </p:nvPicPr>
+        <p:blipFill>
+          <a:blip r:embed="rId4">
+            <a:extLst>
+              <a:ext uri="{28A0092B-C50C-407E-A947-70E740481C1C}">
+                <a14:useLocalDpi xmlns:a14="http://schemas.microsoft.com/office/drawing/2010/main" val="0"/>
+              </a:ext>
+            </a:extLst>
+          </a:blip>
+          <a:stretch>
+            <a:fillRect/>
+          </a:stretch>
+        </p:blipFill>
+        <p:spPr>
+          <a:xfrm>
+            <a:off x="6572947" y="1793749"/>
+            <a:ext cx="2535217" cy="3152602"/>
+          </a:xfrm>
+          <a:prstGeom prst="rect">
+            <a:avLst/>
+          </a:prstGeom>
+        </p:spPr>
+      </p:pic>
+      <p:pic>
+        <p:nvPicPr>
+          <p:cNvPr id="10" name="Рисунок 9">
+            <a:extLst>
+              <a:ext uri="{FF2B5EF4-FFF2-40B4-BE49-F238E27FC236}">
+                <a16:creationId xmlns:a16="http://schemas.microsoft.com/office/drawing/2014/main" id="{601E8DEA-50C8-9D37-4889-D56A7D1DDAF1}"/>
+              </a:ext>
+            </a:extLst>
+          </p:cNvPr>
+          <p:cNvPicPr>
+            <a:picLocks noChangeAspect="1"/>
+          </p:cNvPicPr>
+          <p:nvPr/>
+        </p:nvPicPr>
+        <p:blipFill>
+          <a:blip r:embed="rId5">
+            <a:extLst>
+              <a:ext uri="{28A0092B-C50C-407E-A947-70E740481C1C}">
+                <a14:useLocalDpi xmlns:a14="http://schemas.microsoft.com/office/drawing/2010/main" val="0"/>
+              </a:ext>
+            </a:extLst>
+          </a:blip>
+          <a:stretch>
+            <a:fillRect/>
+          </a:stretch>
+        </p:blipFill>
+        <p:spPr>
+          <a:xfrm>
+            <a:off x="9554376" y="1793749"/>
+            <a:ext cx="2081214" cy="3152602"/>
+          </a:xfrm>
+          <a:prstGeom prst="rect">
+            <a:avLst/>
+          </a:prstGeom>
+        </p:spPr>
+      </p:pic>
+      <p:sp>
+        <p:nvSpPr>
+          <p:cNvPr id="13" name="TextBox 12">
+            <a:extLst>
+              <a:ext uri="{FF2B5EF4-FFF2-40B4-BE49-F238E27FC236}">
+                <a16:creationId xmlns:a16="http://schemas.microsoft.com/office/drawing/2014/main" id="{7A25A0BE-0E9F-9293-62DD-3E11E2451A50}"/>
+              </a:ext>
+            </a:extLst>
+          </p:cNvPr>
+          <p:cNvSpPr txBox="1"/>
+          <p:nvPr/>
+        </p:nvSpPr>
+        <p:spPr>
+          <a:xfrm>
+            <a:off x="1013849" y="5038405"/>
+            <a:ext cx="1747145" cy="738664"/>
+          </a:xfrm>
+          <a:prstGeom prst="rect">
+            <a:avLst/>
+          </a:prstGeom>
+          <a:noFill/>
+        </p:spPr>
+        <p:txBody>
+          <a:bodyPr wrap="none" rtlCol="0">
+            <a:spAutoFit/>
+          </a:bodyPr>
+          <a:lstStyle/>
+          <a:p>
+            <a:pPr algn="ctr"/>
+            <a:r>
+              <a:rPr lang="ru-RU" sz="1400" b="1" dirty="0">
+                <a:latin typeface="Times New Roman" panose="02020603050405020304" pitchFamily="18" charset="0"/>
+                <a:cs typeface="Times New Roman" panose="02020603050405020304" pitchFamily="18" charset="0"/>
+              </a:rPr>
+              <a:t>Иван Михайлович </a:t>
+            </a:r>
+          </a:p>
+          <a:p>
+            <a:pPr algn="ctr"/>
+            <a:r>
+              <a:rPr lang="ru-RU" sz="1400" b="1" dirty="0">
+                <a:latin typeface="Times New Roman" panose="02020603050405020304" pitchFamily="18" charset="0"/>
+                <a:cs typeface="Times New Roman" panose="02020603050405020304" pitchFamily="18" charset="0"/>
+              </a:rPr>
+              <a:t>Сеченев</a:t>
+            </a:r>
+          </a:p>
+          <a:p>
+            <a:pPr algn="ctr"/>
+            <a:r>
+              <a:rPr lang="ru-RU" sz="1400" b="1" dirty="0">
+                <a:latin typeface="Times New Roman" panose="02020603050405020304" pitchFamily="18" charset="0"/>
+                <a:cs typeface="Times New Roman" panose="02020603050405020304" pitchFamily="18" charset="0"/>
+              </a:rPr>
+              <a:t>1829 - 1905</a:t>
+            </a:r>
+          </a:p>
+        </p:txBody>
+      </p:sp>
+      <p:sp>
+        <p:nvSpPr>
+          <p:cNvPr id="14" name="TextBox 13">
+            <a:extLst>
+              <a:ext uri="{FF2B5EF4-FFF2-40B4-BE49-F238E27FC236}">
+                <a16:creationId xmlns:a16="http://schemas.microsoft.com/office/drawing/2014/main" id="{4E1374AE-1B8A-A93B-41D7-DA450EADBE5A}"/>
+              </a:ext>
+            </a:extLst>
+          </p:cNvPr>
+          <p:cNvSpPr txBox="1"/>
+          <p:nvPr/>
+        </p:nvSpPr>
+        <p:spPr>
+          <a:xfrm>
+            <a:off x="3670654" y="5038405"/>
+            <a:ext cx="2275238" cy="738664"/>
+          </a:xfrm>
+          <a:prstGeom prst="rect">
+            <a:avLst/>
+          </a:prstGeom>
+          <a:noFill/>
+        </p:spPr>
+        <p:txBody>
+          <a:bodyPr wrap="none" rtlCol="0">
+            <a:spAutoFit/>
+          </a:bodyPr>
+          <a:lstStyle/>
+          <a:p>
+            <a:pPr algn="ctr"/>
+            <a:r>
+              <a:rPr lang="ru-RU" sz="1400" b="1" dirty="0">
+                <a:latin typeface="Times New Roman" panose="02020603050405020304" pitchFamily="18" charset="0"/>
+                <a:cs typeface="Times New Roman" panose="02020603050405020304" pitchFamily="18" charset="0"/>
+              </a:rPr>
+              <a:t>Константин Дмитриевич </a:t>
+            </a:r>
+          </a:p>
+          <a:p>
+            <a:pPr algn="ctr"/>
+            <a:r>
+              <a:rPr lang="ru-RU" sz="1400" b="1" dirty="0">
+                <a:latin typeface="Times New Roman" panose="02020603050405020304" pitchFamily="18" charset="0"/>
+                <a:cs typeface="Times New Roman" panose="02020603050405020304" pitchFamily="18" charset="0"/>
+              </a:rPr>
+              <a:t>Кавелин</a:t>
+            </a:r>
+          </a:p>
+          <a:p>
+            <a:pPr algn="ctr"/>
+            <a:r>
+              <a:rPr lang="ru-RU" sz="1400" b="1" dirty="0">
+                <a:latin typeface="Times New Roman" panose="02020603050405020304" pitchFamily="18" charset="0"/>
+                <a:cs typeface="Times New Roman" panose="02020603050405020304" pitchFamily="18" charset="0"/>
+              </a:rPr>
+              <a:t>1818 - 1885</a:t>
+            </a:r>
+          </a:p>
+        </p:txBody>
+      </p:sp>
+      <p:sp>
+        <p:nvSpPr>
+          <p:cNvPr id="18" name="TextBox 17">
+            <a:extLst>
+              <a:ext uri="{FF2B5EF4-FFF2-40B4-BE49-F238E27FC236}">
+                <a16:creationId xmlns:a16="http://schemas.microsoft.com/office/drawing/2014/main" id="{38384A96-BFA3-4A44-F0F4-614A9BBDE693}"/>
+              </a:ext>
+            </a:extLst>
+          </p:cNvPr>
+          <p:cNvSpPr txBox="1"/>
+          <p:nvPr/>
+        </p:nvSpPr>
+        <p:spPr>
+          <a:xfrm>
+            <a:off x="6761895" y="5038405"/>
+            <a:ext cx="2157321" cy="738664"/>
+          </a:xfrm>
+          <a:prstGeom prst="rect">
+            <a:avLst/>
+          </a:prstGeom>
+          <a:noFill/>
+        </p:spPr>
+        <p:txBody>
+          <a:bodyPr wrap="none" rtlCol="0">
+            <a:spAutoFit/>
+          </a:bodyPr>
+          <a:lstStyle/>
+          <a:p>
+            <a:pPr algn="ctr"/>
+            <a:r>
+              <a:rPr lang="ru-RU" sz="1400" b="1" dirty="0">
+                <a:latin typeface="Times New Roman" panose="02020603050405020304" pitchFamily="18" charset="0"/>
+                <a:cs typeface="Times New Roman" panose="02020603050405020304" pitchFamily="18" charset="0"/>
+              </a:rPr>
+              <a:t>Александр Николаевич </a:t>
+            </a:r>
+          </a:p>
+          <a:p>
+            <a:pPr algn="ctr"/>
+            <a:r>
+              <a:rPr lang="ru-RU" sz="1400" b="1" dirty="0">
+                <a:latin typeface="Times New Roman" panose="02020603050405020304" pitchFamily="18" charset="0"/>
+                <a:cs typeface="Times New Roman" panose="02020603050405020304" pitchFamily="18" charset="0"/>
+              </a:rPr>
+              <a:t>Веселовский</a:t>
+            </a:r>
+          </a:p>
+          <a:p>
+            <a:pPr algn="ctr"/>
+            <a:r>
+              <a:rPr lang="ru-RU" sz="1400" b="1" dirty="0">
+                <a:latin typeface="Times New Roman" panose="02020603050405020304" pitchFamily="18" charset="0"/>
+                <a:cs typeface="Times New Roman" panose="02020603050405020304" pitchFamily="18" charset="0"/>
+              </a:rPr>
+              <a:t>1838 - 1906</a:t>
+            </a:r>
+          </a:p>
+        </p:txBody>
+      </p:sp>
+      <p:sp>
+        <p:nvSpPr>
+          <p:cNvPr id="19" name="TextBox 18">
+            <a:extLst>
+              <a:ext uri="{FF2B5EF4-FFF2-40B4-BE49-F238E27FC236}">
+                <a16:creationId xmlns:a16="http://schemas.microsoft.com/office/drawing/2014/main" id="{84FBE018-35FB-ED10-8C3B-C3D9C5EC9841}"/>
+              </a:ext>
+            </a:extLst>
+          </p:cNvPr>
+          <p:cNvSpPr txBox="1"/>
+          <p:nvPr/>
+        </p:nvSpPr>
+        <p:spPr>
+          <a:xfrm>
+            <a:off x="9475702" y="5038405"/>
+            <a:ext cx="2238562" cy="738664"/>
+          </a:xfrm>
+          <a:prstGeom prst="rect">
+            <a:avLst/>
+          </a:prstGeom>
+          <a:noFill/>
+        </p:spPr>
+        <p:txBody>
+          <a:bodyPr wrap="none" rtlCol="0">
+            <a:spAutoFit/>
+          </a:bodyPr>
+          <a:lstStyle/>
+          <a:p>
+            <a:pPr algn="ctr"/>
+            <a:r>
+              <a:rPr lang="ru-RU" sz="1400" b="1" dirty="0">
+                <a:latin typeface="Times New Roman" panose="02020603050405020304" pitchFamily="18" charset="0"/>
+                <a:cs typeface="Times New Roman" panose="02020603050405020304" pitchFamily="18" charset="0"/>
+              </a:rPr>
+              <a:t>Александр Афанасьевич </a:t>
+            </a:r>
+          </a:p>
+          <a:p>
+            <a:pPr algn="ctr"/>
+            <a:r>
+              <a:rPr lang="ru-RU" sz="1400" b="1" dirty="0">
+                <a:latin typeface="Times New Roman" panose="02020603050405020304" pitchFamily="18" charset="0"/>
+                <a:cs typeface="Times New Roman" panose="02020603050405020304" pitchFamily="18" charset="0"/>
+              </a:rPr>
+              <a:t>Потебня</a:t>
+            </a:r>
+          </a:p>
+          <a:p>
+            <a:pPr algn="ctr"/>
+            <a:r>
+              <a:rPr lang="ru-RU" sz="1400" b="1" dirty="0">
+                <a:latin typeface="Times New Roman" panose="02020603050405020304" pitchFamily="18" charset="0"/>
+                <a:cs typeface="Times New Roman" panose="02020603050405020304" pitchFamily="18" charset="0"/>
+              </a:rPr>
+              <a:t>1831 - 1891</a:t>
+            </a:r>
+          </a:p>
+        </p:txBody>
+      </p:sp>
     </p:spTree>
     <p:extLst>
       <p:ext uri="{BB962C8B-B14F-4D97-AF65-F5344CB8AC3E}">
         <p14:creationId xmlns:p14="http://schemas.microsoft.com/office/powerpoint/2010/main" val="1032180000"/>
+      </p:ext>
+    </p:extLst>
+  </p:cSld>
+  <p:clrMapOvr>
+    <a:masterClrMapping/>
+  </p:clrMapOvr>
+</p:sld>
+</file>
+
+<file path=ppt/slides/slide3.xml><?xml version="1.0" encoding="utf-8"?>
+<p:sld xmlns:a="http://schemas.openxmlformats.org/drawingml/2006/main" xmlns:r="http://schemas.openxmlformats.org/officeDocument/2006/relationships" xmlns:p="http://schemas.openxmlformats.org/presentationml/2006/main">
+  <p:cSld>
+    <p:spTree>
+      <p:nvGrpSpPr>
+        <p:cNvPr id="1" name=""/>
+        <p:cNvGrpSpPr/>
+        <p:nvPr/>
+      </p:nvGrpSpPr>
+      <p:grpSpPr>
+        <a:xfrm>
+          <a:off x="0" y="0"/>
+          <a:ext cx="0" cy="0"/>
+          <a:chOff x="0" y="0"/>
+          <a:chExt cx="0" cy="0"/>
+        </a:xfrm>
+      </p:grpSpPr>
+      <p:sp>
+        <p:nvSpPr>
+          <p:cNvPr id="3" name="TextBox 2">
+            <a:extLst>
+              <a:ext uri="{FF2B5EF4-FFF2-40B4-BE49-F238E27FC236}">
+                <a16:creationId xmlns:a16="http://schemas.microsoft.com/office/drawing/2014/main" id="{7FFE46FB-9953-3671-A37C-E76BE31F3F29}"/>
+              </a:ext>
+            </a:extLst>
+          </p:cNvPr>
+          <p:cNvSpPr txBox="1"/>
+          <p:nvPr/>
+        </p:nvSpPr>
+        <p:spPr>
+          <a:xfrm>
+            <a:off x="1871446" y="988043"/>
+            <a:ext cx="8449108" cy="461665"/>
+          </a:xfrm>
+          <a:prstGeom prst="rect">
+            <a:avLst/>
+          </a:prstGeom>
+          <a:noFill/>
+        </p:spPr>
+        <p:txBody>
+          <a:bodyPr wrap="none" rtlCol="0">
+            <a:spAutoFit/>
+          </a:bodyPr>
+          <a:lstStyle/>
+          <a:p>
+            <a:pPr algn="ctr"/>
+            <a:r>
+              <a:rPr lang="ru-RU" sz="2400" b="1" dirty="0">
+                <a:latin typeface="Times New Roman" panose="02020603050405020304" pitchFamily="18" charset="0"/>
+                <a:cs typeface="Times New Roman" panose="02020603050405020304" pitchFamily="18" charset="0"/>
+              </a:rPr>
+              <a:t>Методологический спор: два направления. Чернышевский</a:t>
+            </a:r>
+          </a:p>
+        </p:txBody>
+      </p:sp>
+      <p:pic>
+        <p:nvPicPr>
+          <p:cNvPr id="5" name="Рисунок 4">
+            <a:extLst>
+              <a:ext uri="{FF2B5EF4-FFF2-40B4-BE49-F238E27FC236}">
+                <a16:creationId xmlns:a16="http://schemas.microsoft.com/office/drawing/2014/main" id="{5B7FF46A-256B-2AD0-1B2E-B59F36BA48AB}"/>
+              </a:ext>
+            </a:extLst>
+          </p:cNvPr>
+          <p:cNvPicPr>
+            <a:picLocks noChangeAspect="1"/>
+          </p:cNvPicPr>
+          <p:nvPr/>
+        </p:nvPicPr>
+        <p:blipFill>
+          <a:blip r:embed="rId2">
+            <a:extLst>
+              <a:ext uri="{28A0092B-C50C-407E-A947-70E740481C1C}">
+                <a14:useLocalDpi xmlns:a14="http://schemas.microsoft.com/office/drawing/2010/main" val="0"/>
+              </a:ext>
+            </a:extLst>
+          </a:blip>
+          <a:stretch>
+            <a:fillRect/>
+          </a:stretch>
+        </p:blipFill>
+        <p:spPr>
+          <a:xfrm>
+            <a:off x="1734362" y="1596983"/>
+            <a:ext cx="2763998" cy="3948569"/>
+          </a:xfrm>
+          <a:prstGeom prst="rect">
+            <a:avLst/>
+          </a:prstGeom>
+        </p:spPr>
+      </p:pic>
+      <p:sp>
+        <p:nvSpPr>
+          <p:cNvPr id="6" name="TextBox 5">
+            <a:extLst>
+              <a:ext uri="{FF2B5EF4-FFF2-40B4-BE49-F238E27FC236}">
+                <a16:creationId xmlns:a16="http://schemas.microsoft.com/office/drawing/2014/main" id="{53F2D730-FAF0-4139-29B9-B533B284BE33}"/>
+              </a:ext>
+            </a:extLst>
+          </p:cNvPr>
+          <p:cNvSpPr txBox="1"/>
+          <p:nvPr/>
+        </p:nvSpPr>
+        <p:spPr>
+          <a:xfrm>
+            <a:off x="2127629" y="5692827"/>
+            <a:ext cx="1977464" cy="738664"/>
+          </a:xfrm>
+          <a:prstGeom prst="rect">
+            <a:avLst/>
+          </a:prstGeom>
+          <a:noFill/>
+        </p:spPr>
+        <p:txBody>
+          <a:bodyPr wrap="none" rtlCol="0">
+            <a:spAutoFit/>
+          </a:bodyPr>
+          <a:lstStyle/>
+          <a:p>
+            <a:pPr algn="ctr"/>
+            <a:r>
+              <a:rPr lang="ru-RU" sz="1400" b="1" dirty="0">
+                <a:latin typeface="Times New Roman" panose="02020603050405020304" pitchFamily="18" charset="0"/>
+                <a:cs typeface="Times New Roman" panose="02020603050405020304" pitchFamily="18" charset="0"/>
+              </a:rPr>
+              <a:t>Николай Гаврилович </a:t>
+            </a:r>
+          </a:p>
+          <a:p>
+            <a:pPr algn="ctr"/>
+            <a:r>
+              <a:rPr lang="ru-RU" sz="1400" b="1" dirty="0">
+                <a:latin typeface="Times New Roman" panose="02020603050405020304" pitchFamily="18" charset="0"/>
+                <a:cs typeface="Times New Roman" panose="02020603050405020304" pitchFamily="18" charset="0"/>
+              </a:rPr>
+              <a:t>Чернышевский</a:t>
+            </a:r>
+          </a:p>
+          <a:p>
+            <a:pPr algn="ctr"/>
+            <a:r>
+              <a:rPr lang="ru-RU" sz="1400" b="1" dirty="0">
+                <a:latin typeface="Times New Roman" panose="02020603050405020304" pitchFamily="18" charset="0"/>
+                <a:cs typeface="Times New Roman" panose="02020603050405020304" pitchFamily="18" charset="0"/>
+              </a:rPr>
+              <a:t>1828 - 1889</a:t>
+            </a:r>
+          </a:p>
+        </p:txBody>
+      </p:sp>
+      <p:pic>
+        <p:nvPicPr>
+          <p:cNvPr id="8" name="Рисунок 7">
+            <a:extLst>
+              <a:ext uri="{FF2B5EF4-FFF2-40B4-BE49-F238E27FC236}">
+                <a16:creationId xmlns:a16="http://schemas.microsoft.com/office/drawing/2014/main" id="{95D5744E-CBCC-9443-5AAB-56D569111D5E}"/>
+              </a:ext>
+            </a:extLst>
+          </p:cNvPr>
+          <p:cNvPicPr>
+            <a:picLocks noChangeAspect="1"/>
+          </p:cNvPicPr>
+          <p:nvPr/>
+        </p:nvPicPr>
+        <p:blipFill>
+          <a:blip r:embed="rId3">
+            <a:extLst>
+              <a:ext uri="{28A0092B-C50C-407E-A947-70E740481C1C}">
+                <a14:useLocalDpi xmlns:a14="http://schemas.microsoft.com/office/drawing/2010/main" val="0"/>
+              </a:ext>
+            </a:extLst>
+          </a:blip>
+          <a:stretch>
+            <a:fillRect/>
+          </a:stretch>
+        </p:blipFill>
+        <p:spPr>
+          <a:xfrm>
+            <a:off x="6277749" y="1856288"/>
+            <a:ext cx="4308840" cy="3948569"/>
+          </a:xfrm>
+          <a:prstGeom prst="rect">
+            <a:avLst/>
+          </a:prstGeom>
+        </p:spPr>
+      </p:pic>
+    </p:spTree>
+    <p:extLst>
+      <p:ext uri="{BB962C8B-B14F-4D97-AF65-F5344CB8AC3E}">
+        <p14:creationId xmlns:p14="http://schemas.microsoft.com/office/powerpoint/2010/main" val="3004546720"/>
+      </p:ext>
+    </p:extLst>
+  </p:cSld>
+  <p:clrMapOvr>
+    <a:masterClrMapping/>
+  </p:clrMapOvr>
+</p:sld>
+</file>
+
+<file path=ppt/slides/slide4.xml><?xml version="1.0" encoding="utf-8"?>
+<p:sld xmlns:a="http://schemas.openxmlformats.org/drawingml/2006/main" xmlns:r="http://schemas.openxmlformats.org/officeDocument/2006/relationships" xmlns:p="http://schemas.openxmlformats.org/presentationml/2006/main">
+  <p:cSld>
+    <p:spTree>
+      <p:nvGrpSpPr>
+        <p:cNvPr id="1" name=""/>
+        <p:cNvGrpSpPr/>
+        <p:nvPr/>
+      </p:nvGrpSpPr>
+      <p:grpSpPr>
+        <a:xfrm>
+          <a:off x="0" y="0"/>
+          <a:ext cx="0" cy="0"/>
+          <a:chOff x="0" y="0"/>
+          <a:chExt cx="0" cy="0"/>
+        </a:xfrm>
+      </p:grpSpPr>
+      <p:sp>
+        <p:nvSpPr>
+          <p:cNvPr id="2" name="TextBox 1">
+            <a:extLst>
+              <a:ext uri="{FF2B5EF4-FFF2-40B4-BE49-F238E27FC236}">
+                <a16:creationId xmlns:a16="http://schemas.microsoft.com/office/drawing/2014/main" id="{F2782543-0937-0962-7FB5-917907284DDC}"/>
+              </a:ext>
+            </a:extLst>
+          </p:cNvPr>
+          <p:cNvSpPr txBox="1"/>
+          <p:nvPr/>
+        </p:nvSpPr>
+        <p:spPr>
+          <a:xfrm>
+            <a:off x="2294767" y="975770"/>
+            <a:ext cx="7602466" cy="461665"/>
+          </a:xfrm>
+          <a:prstGeom prst="rect">
+            <a:avLst/>
+          </a:prstGeom>
+          <a:noFill/>
+        </p:spPr>
+        <p:txBody>
+          <a:bodyPr wrap="none" rtlCol="0">
+            <a:spAutoFit/>
+          </a:bodyPr>
+          <a:lstStyle/>
+          <a:p>
+            <a:pPr algn="ctr"/>
+            <a:r>
+              <a:rPr lang="ru-RU" sz="2400" b="1" dirty="0">
+                <a:latin typeface="Times New Roman" panose="02020603050405020304" pitchFamily="18" charset="0"/>
+                <a:cs typeface="Times New Roman" panose="02020603050405020304" pitchFamily="18" charset="0"/>
+              </a:rPr>
+              <a:t>Методологический спор: два направления. Юркевич</a:t>
+            </a:r>
+          </a:p>
+        </p:txBody>
+      </p:sp>
+      <p:pic>
+        <p:nvPicPr>
+          <p:cNvPr id="4" name="Рисунок 3">
+            <a:extLst>
+              <a:ext uri="{FF2B5EF4-FFF2-40B4-BE49-F238E27FC236}">
+                <a16:creationId xmlns:a16="http://schemas.microsoft.com/office/drawing/2014/main" id="{9314A445-ECA2-3A25-54D6-DEE1836974C3}"/>
+              </a:ext>
+            </a:extLst>
+          </p:cNvPr>
+          <p:cNvPicPr>
+            <a:picLocks noChangeAspect="1"/>
+          </p:cNvPicPr>
+          <p:nvPr/>
+        </p:nvPicPr>
+        <p:blipFill>
+          <a:blip r:embed="rId2">
+            <a:extLst>
+              <a:ext uri="{28A0092B-C50C-407E-A947-70E740481C1C}">
+                <a14:useLocalDpi xmlns:a14="http://schemas.microsoft.com/office/drawing/2010/main" val="0"/>
+              </a:ext>
+            </a:extLst>
+          </a:blip>
+          <a:stretch>
+            <a:fillRect/>
+          </a:stretch>
+        </p:blipFill>
+        <p:spPr>
+          <a:xfrm>
+            <a:off x="629745" y="1713156"/>
+            <a:ext cx="3330044" cy="3607547"/>
+          </a:xfrm>
+          <a:prstGeom prst="rect">
+            <a:avLst/>
+          </a:prstGeom>
+        </p:spPr>
+      </p:pic>
+      <p:sp>
+        <p:nvSpPr>
+          <p:cNvPr id="5" name="TextBox 4">
+            <a:extLst>
+              <a:ext uri="{FF2B5EF4-FFF2-40B4-BE49-F238E27FC236}">
+                <a16:creationId xmlns:a16="http://schemas.microsoft.com/office/drawing/2014/main" id="{891D5692-BBC0-D046-033D-44A25E8EF90E}"/>
+              </a:ext>
+            </a:extLst>
+          </p:cNvPr>
+          <p:cNvSpPr txBox="1"/>
+          <p:nvPr/>
+        </p:nvSpPr>
+        <p:spPr>
+          <a:xfrm>
+            <a:off x="971809" y="5620620"/>
+            <a:ext cx="2645916" cy="523220"/>
+          </a:xfrm>
+          <a:prstGeom prst="rect">
+            <a:avLst/>
+          </a:prstGeom>
+          <a:noFill/>
+        </p:spPr>
+        <p:txBody>
+          <a:bodyPr wrap="none" rtlCol="0">
+            <a:spAutoFit/>
+          </a:bodyPr>
+          <a:lstStyle/>
+          <a:p>
+            <a:pPr algn="ctr"/>
+            <a:r>
+              <a:rPr lang="ru-RU" sz="1400" b="1" dirty="0">
+                <a:latin typeface="Times New Roman" panose="02020603050405020304" pitchFamily="18" charset="0"/>
+                <a:cs typeface="Times New Roman" panose="02020603050405020304" pitchFamily="18" charset="0"/>
+              </a:rPr>
+              <a:t>Памфил Данилович Юркевич</a:t>
+            </a:r>
+          </a:p>
+          <a:p>
+            <a:pPr algn="ctr"/>
+            <a:r>
+              <a:rPr lang="ru-RU" sz="1400" b="1" dirty="0">
+                <a:latin typeface="Times New Roman" panose="02020603050405020304" pitchFamily="18" charset="0"/>
+                <a:cs typeface="Times New Roman" panose="02020603050405020304" pitchFamily="18" charset="0"/>
+              </a:rPr>
+              <a:t>1836 - 1874</a:t>
+            </a:r>
+          </a:p>
+        </p:txBody>
+      </p:sp>
+      <p:pic>
+        <p:nvPicPr>
+          <p:cNvPr id="9" name="Рисунок 8">
+            <a:extLst>
+              <a:ext uri="{FF2B5EF4-FFF2-40B4-BE49-F238E27FC236}">
+                <a16:creationId xmlns:a16="http://schemas.microsoft.com/office/drawing/2014/main" id="{E5B1B96C-53E3-E0F5-949B-906596A5021E}"/>
+              </a:ext>
+            </a:extLst>
+          </p:cNvPr>
+          <p:cNvPicPr>
+            <a:picLocks noChangeAspect="1"/>
+          </p:cNvPicPr>
+          <p:nvPr/>
+        </p:nvPicPr>
+        <p:blipFill>
+          <a:blip r:embed="rId3">
+            <a:extLst>
+              <a:ext uri="{28A0092B-C50C-407E-A947-70E740481C1C}">
+                <a14:useLocalDpi xmlns:a14="http://schemas.microsoft.com/office/drawing/2010/main" val="0"/>
+              </a:ext>
+            </a:extLst>
+          </a:blip>
+          <a:stretch>
+            <a:fillRect/>
+          </a:stretch>
+        </p:blipFill>
+        <p:spPr>
+          <a:xfrm>
+            <a:off x="4815180" y="1515479"/>
+            <a:ext cx="6550127" cy="4366751"/>
+          </a:xfrm>
+          <a:prstGeom prst="rect">
+            <a:avLst/>
+          </a:prstGeom>
+        </p:spPr>
+      </p:pic>
+    </p:spTree>
+    <p:extLst>
+      <p:ext uri="{BB962C8B-B14F-4D97-AF65-F5344CB8AC3E}">
+        <p14:creationId xmlns:p14="http://schemas.microsoft.com/office/powerpoint/2010/main" val="1558719295"/>
+      </p:ext>
+    </p:extLst>
+  </p:cSld>
+  <p:clrMapOvr>
+    <a:masterClrMapping/>
+  </p:clrMapOvr>
+</p:sld>
+</file>
+
+<file path=ppt/slides/slide5.xml><?xml version="1.0" encoding="utf-8"?>
+<p:sld xmlns:a="http://schemas.openxmlformats.org/drawingml/2006/main" xmlns:r="http://schemas.openxmlformats.org/officeDocument/2006/relationships" xmlns:p="http://schemas.openxmlformats.org/presentationml/2006/main">
+  <p:cSld>
+    <p:spTree>
+      <p:nvGrpSpPr>
+        <p:cNvPr id="1" name=""/>
+        <p:cNvGrpSpPr/>
+        <p:nvPr/>
+      </p:nvGrpSpPr>
+      <p:grpSpPr>
+        <a:xfrm>
+          <a:off x="0" y="0"/>
+          <a:ext cx="0" cy="0"/>
+          <a:chOff x="0" y="0"/>
+          <a:chExt cx="0" cy="0"/>
+        </a:xfrm>
+      </p:grpSpPr>
+      <p:sp>
+        <p:nvSpPr>
+          <p:cNvPr id="2" name="TextBox 1">
+            <a:extLst>
+              <a:ext uri="{FF2B5EF4-FFF2-40B4-BE49-F238E27FC236}">
+                <a16:creationId xmlns:a16="http://schemas.microsoft.com/office/drawing/2014/main" id="{FCD77E4C-C304-4082-C6C2-1EF0F2C84652}"/>
+              </a:ext>
+            </a:extLst>
+          </p:cNvPr>
+          <p:cNvSpPr txBox="1"/>
+          <p:nvPr/>
+        </p:nvSpPr>
+        <p:spPr>
+          <a:xfrm>
+            <a:off x="1178724" y="1031001"/>
+            <a:ext cx="9834552" cy="461665"/>
+          </a:xfrm>
+          <a:prstGeom prst="rect">
+            <a:avLst/>
+          </a:prstGeom>
+          <a:noFill/>
+        </p:spPr>
+        <p:txBody>
+          <a:bodyPr wrap="none" rtlCol="0">
+            <a:spAutoFit/>
+          </a:bodyPr>
+          <a:lstStyle/>
+          <a:p>
+            <a:pPr algn="ctr"/>
+            <a:r>
+              <a:rPr lang="ru-RU" sz="2400" b="1" dirty="0">
+                <a:latin typeface="Times New Roman" panose="02020603050405020304" pitchFamily="18" charset="0"/>
+                <a:cs typeface="Times New Roman" panose="02020603050405020304" pitchFamily="18" charset="0"/>
+              </a:rPr>
+              <a:t>Развитие экспериментальной психологии. Лаборатории и институты</a:t>
+            </a:r>
+          </a:p>
+        </p:txBody>
+      </p:sp>
+      <p:pic>
+        <p:nvPicPr>
+          <p:cNvPr id="4" name="Рисунок 3">
+            <a:extLst>
+              <a:ext uri="{FF2B5EF4-FFF2-40B4-BE49-F238E27FC236}">
+                <a16:creationId xmlns:a16="http://schemas.microsoft.com/office/drawing/2014/main" id="{AC775BFA-3773-3FB0-2A9A-274195EDC116}"/>
+              </a:ext>
+            </a:extLst>
+          </p:cNvPr>
+          <p:cNvPicPr>
+            <a:picLocks noChangeAspect="1"/>
+          </p:cNvPicPr>
+          <p:nvPr/>
+        </p:nvPicPr>
+        <p:blipFill>
+          <a:blip r:embed="rId2">
+            <a:extLst>
+              <a:ext uri="{28A0092B-C50C-407E-A947-70E740481C1C}">
+                <a14:useLocalDpi xmlns:a14="http://schemas.microsoft.com/office/drawing/2010/main" val="0"/>
+              </a:ext>
+            </a:extLst>
+          </a:blip>
+          <a:stretch>
+            <a:fillRect/>
+          </a:stretch>
+        </p:blipFill>
+        <p:spPr>
+          <a:xfrm>
+            <a:off x="120634" y="2059080"/>
+            <a:ext cx="3659701" cy="2739839"/>
+          </a:xfrm>
+          <a:prstGeom prst="rect">
+            <a:avLst/>
+          </a:prstGeom>
+        </p:spPr>
+      </p:pic>
+      <p:sp>
+        <p:nvSpPr>
+          <p:cNvPr id="5" name="TextBox 4">
+            <a:extLst>
+              <a:ext uri="{FF2B5EF4-FFF2-40B4-BE49-F238E27FC236}">
+                <a16:creationId xmlns:a16="http://schemas.microsoft.com/office/drawing/2014/main" id="{CEE31668-B998-59C1-9AD7-3AF63D21B05F}"/>
+              </a:ext>
+            </a:extLst>
+          </p:cNvPr>
+          <p:cNvSpPr txBox="1"/>
+          <p:nvPr/>
+        </p:nvSpPr>
+        <p:spPr>
+          <a:xfrm>
+            <a:off x="298525" y="4989310"/>
+            <a:ext cx="3303917" cy="307777"/>
+          </a:xfrm>
+          <a:prstGeom prst="rect">
+            <a:avLst/>
+          </a:prstGeom>
+          <a:noFill/>
+        </p:spPr>
+        <p:txBody>
+          <a:bodyPr wrap="none" rtlCol="0">
+            <a:spAutoFit/>
+          </a:bodyPr>
+          <a:lstStyle/>
+          <a:p>
+            <a:pPr algn="ctr"/>
+            <a:r>
+              <a:rPr lang="ru-RU" sz="1400" b="1" dirty="0">
+                <a:latin typeface="Times New Roman" panose="02020603050405020304" pitchFamily="18" charset="0"/>
+                <a:cs typeface="Times New Roman" panose="02020603050405020304" pitchFamily="18" charset="0"/>
+              </a:rPr>
+              <a:t>Одесский национальный университет</a:t>
+            </a:r>
+          </a:p>
+        </p:txBody>
+      </p:sp>
+      <p:pic>
+        <p:nvPicPr>
+          <p:cNvPr id="7" name="Рисунок 6">
+            <a:extLst>
+              <a:ext uri="{FF2B5EF4-FFF2-40B4-BE49-F238E27FC236}">
+                <a16:creationId xmlns:a16="http://schemas.microsoft.com/office/drawing/2014/main" id="{4AC2CE8F-0680-1394-84F4-D7B13E9B3ECA}"/>
+              </a:ext>
+            </a:extLst>
+          </p:cNvPr>
+          <p:cNvPicPr>
+            <a:picLocks noChangeAspect="1"/>
+          </p:cNvPicPr>
+          <p:nvPr/>
+        </p:nvPicPr>
+        <p:blipFill>
+          <a:blip r:embed="rId3">
+            <a:extLst>
+              <a:ext uri="{28A0092B-C50C-407E-A947-70E740481C1C}">
+                <a14:useLocalDpi xmlns:a14="http://schemas.microsoft.com/office/drawing/2010/main" val="0"/>
+              </a:ext>
+            </a:extLst>
+          </a:blip>
+          <a:stretch>
+            <a:fillRect/>
+          </a:stretch>
+        </p:blipFill>
+        <p:spPr>
+          <a:xfrm>
+            <a:off x="3965436" y="2059080"/>
+            <a:ext cx="3659701" cy="2744776"/>
+          </a:xfrm>
+          <a:prstGeom prst="rect">
+            <a:avLst/>
+          </a:prstGeom>
+        </p:spPr>
+      </p:pic>
+      <p:sp>
+        <p:nvSpPr>
+          <p:cNvPr id="8" name="TextBox 7">
+            <a:extLst>
+              <a:ext uri="{FF2B5EF4-FFF2-40B4-BE49-F238E27FC236}">
+                <a16:creationId xmlns:a16="http://schemas.microsoft.com/office/drawing/2014/main" id="{6C598026-62A0-C8EC-930C-70CEA7D930B8}"/>
+              </a:ext>
+            </a:extLst>
+          </p:cNvPr>
+          <p:cNvSpPr txBox="1"/>
+          <p:nvPr/>
+        </p:nvSpPr>
+        <p:spPr>
+          <a:xfrm>
+            <a:off x="3920189" y="4989310"/>
+            <a:ext cx="3750193" cy="523220"/>
+          </a:xfrm>
+          <a:prstGeom prst="rect">
+            <a:avLst/>
+          </a:prstGeom>
+          <a:noFill/>
+        </p:spPr>
+        <p:txBody>
+          <a:bodyPr wrap="none" rtlCol="0">
+            <a:spAutoFit/>
+          </a:bodyPr>
+          <a:lstStyle/>
+          <a:p>
+            <a:pPr algn="ctr"/>
+            <a:r>
+              <a:rPr lang="ru-RU" sz="1400" b="1" dirty="0">
+                <a:latin typeface="Times New Roman" panose="02020603050405020304" pitchFamily="18" charset="0"/>
+                <a:cs typeface="Times New Roman" panose="02020603050405020304" pitchFamily="18" charset="0"/>
+              </a:rPr>
+              <a:t>Московский государственный университет </a:t>
+            </a:r>
+          </a:p>
+          <a:p>
+            <a:pPr algn="ctr"/>
+            <a:r>
+              <a:rPr lang="ru-RU" sz="1400" b="1" dirty="0">
+                <a:latin typeface="Times New Roman" panose="02020603050405020304" pitchFamily="18" charset="0"/>
+                <a:cs typeface="Times New Roman" panose="02020603050405020304" pitchFamily="18" charset="0"/>
+              </a:rPr>
+              <a:t>имени М. В. Ломоносова</a:t>
+            </a:r>
+          </a:p>
+        </p:txBody>
+      </p:sp>
+      <p:pic>
+        <p:nvPicPr>
+          <p:cNvPr id="10" name="Рисунок 9">
+            <a:extLst>
+              <a:ext uri="{FF2B5EF4-FFF2-40B4-BE49-F238E27FC236}">
+                <a16:creationId xmlns:a16="http://schemas.microsoft.com/office/drawing/2014/main" id="{647AD49E-32FE-BE6A-AF78-7FFFFEFE7A18}"/>
+              </a:ext>
+            </a:extLst>
+          </p:cNvPr>
+          <p:cNvPicPr>
+            <a:picLocks noChangeAspect="1"/>
+          </p:cNvPicPr>
+          <p:nvPr/>
+        </p:nvPicPr>
+        <p:blipFill>
+          <a:blip r:embed="rId4">
+            <a:extLst>
+              <a:ext uri="{28A0092B-C50C-407E-A947-70E740481C1C}">
+                <a14:useLocalDpi xmlns:a14="http://schemas.microsoft.com/office/drawing/2010/main" val="0"/>
+              </a:ext>
+            </a:extLst>
+          </a:blip>
+          <a:stretch>
+            <a:fillRect/>
+          </a:stretch>
+        </p:blipFill>
+        <p:spPr>
+          <a:xfrm>
+            <a:off x="7829166" y="2059080"/>
+            <a:ext cx="4191000" cy="2768600"/>
+          </a:xfrm>
+          <a:prstGeom prst="rect">
+            <a:avLst/>
+          </a:prstGeom>
+        </p:spPr>
+      </p:pic>
+      <p:sp>
+        <p:nvSpPr>
+          <p:cNvPr id="11" name="TextBox 10">
+            <a:extLst>
+              <a:ext uri="{FF2B5EF4-FFF2-40B4-BE49-F238E27FC236}">
+                <a16:creationId xmlns:a16="http://schemas.microsoft.com/office/drawing/2014/main" id="{B5A37196-8A1B-8C62-851F-3E771B4CDC2E}"/>
+              </a:ext>
+            </a:extLst>
+          </p:cNvPr>
+          <p:cNvSpPr txBox="1"/>
+          <p:nvPr/>
+        </p:nvSpPr>
+        <p:spPr>
+          <a:xfrm>
+            <a:off x="8549226" y="5099774"/>
+            <a:ext cx="2935611" cy="523220"/>
+          </a:xfrm>
+          <a:prstGeom prst="rect">
+            <a:avLst/>
+          </a:prstGeom>
+          <a:noFill/>
+        </p:spPr>
+        <p:txBody>
+          <a:bodyPr wrap="none" rtlCol="0">
+            <a:spAutoFit/>
+          </a:bodyPr>
+          <a:lstStyle/>
+          <a:p>
+            <a:pPr algn="ctr"/>
+            <a:r>
+              <a:rPr lang="ru-RU" sz="1400" b="1" dirty="0">
+                <a:latin typeface="Times New Roman" panose="02020603050405020304" pitchFamily="18" charset="0"/>
+                <a:cs typeface="Times New Roman" panose="02020603050405020304" pitchFamily="18" charset="0"/>
+              </a:rPr>
+              <a:t>Психоневрологический институт </a:t>
+            </a:r>
+          </a:p>
+          <a:p>
+            <a:pPr algn="ctr"/>
+            <a:r>
+              <a:rPr lang="ru-RU" sz="1400" b="1" dirty="0">
+                <a:latin typeface="Times New Roman" panose="02020603050405020304" pitchFamily="18" charset="0"/>
+                <a:cs typeface="Times New Roman" panose="02020603050405020304" pitchFamily="18" charset="0"/>
+              </a:rPr>
+              <a:t>имени Бехтерева</a:t>
+            </a:r>
+          </a:p>
+        </p:txBody>
+      </p:sp>
+    </p:spTree>
+    <p:extLst>
+      <p:ext uri="{BB962C8B-B14F-4D97-AF65-F5344CB8AC3E}">
+        <p14:creationId xmlns:p14="http://schemas.microsoft.com/office/powerpoint/2010/main" val="1807285652"/>
+      </p:ext>
+    </p:extLst>
+  </p:cSld>
+  <p:clrMapOvr>
+    <a:masterClrMapping/>
+  </p:clrMapOvr>
+</p:sld>
+</file>
+
+<file path=ppt/slides/slide6.xml><?xml version="1.0" encoding="utf-8"?>
+<p:sld xmlns:a="http://schemas.openxmlformats.org/drawingml/2006/main" xmlns:r="http://schemas.openxmlformats.org/officeDocument/2006/relationships" xmlns:p="http://schemas.openxmlformats.org/presentationml/2006/main">
+  <p:cSld>
+    <p:spTree>
+      <p:nvGrpSpPr>
+        <p:cNvPr id="1" name=""/>
+        <p:cNvGrpSpPr/>
+        <p:nvPr/>
+      </p:nvGrpSpPr>
+      <p:grpSpPr>
+        <a:xfrm>
+          <a:off x="0" y="0"/>
+          <a:ext cx="0" cy="0"/>
+          <a:chOff x="0" y="0"/>
+          <a:chExt cx="0" cy="0"/>
+        </a:xfrm>
+      </p:grpSpPr>
+      <p:sp>
+        <p:nvSpPr>
+          <p:cNvPr id="2" name="TextBox 1">
+            <a:extLst>
+              <a:ext uri="{FF2B5EF4-FFF2-40B4-BE49-F238E27FC236}">
+                <a16:creationId xmlns:a16="http://schemas.microsoft.com/office/drawing/2014/main" id="{F235A08D-4BBB-D402-0CD2-A8C12934FEDE}"/>
+              </a:ext>
+            </a:extLst>
+          </p:cNvPr>
+          <p:cNvSpPr txBox="1"/>
+          <p:nvPr/>
+        </p:nvSpPr>
+        <p:spPr>
+          <a:xfrm>
+            <a:off x="1789179" y="1031001"/>
+            <a:ext cx="8613641" cy="461665"/>
+          </a:xfrm>
+          <a:prstGeom prst="rect">
+            <a:avLst/>
+          </a:prstGeom>
+          <a:noFill/>
+        </p:spPr>
+        <p:txBody>
+          <a:bodyPr wrap="none" rtlCol="0">
+            <a:spAutoFit/>
+          </a:bodyPr>
+          <a:lstStyle/>
+          <a:p>
+            <a:pPr algn="ctr"/>
+            <a:r>
+              <a:rPr lang="ru-RU" sz="2400" b="1" dirty="0">
+                <a:latin typeface="Times New Roman" panose="02020603050405020304" pitchFamily="18" charset="0"/>
+                <a:cs typeface="Times New Roman" panose="02020603050405020304" pitchFamily="18" charset="0"/>
+              </a:rPr>
+              <a:t>Два метода экспериментальной психологии. Субъективный.</a:t>
+            </a:r>
+          </a:p>
+        </p:txBody>
+      </p:sp>
+      <p:pic>
+        <p:nvPicPr>
+          <p:cNvPr id="4" name="Рисунок 3">
+            <a:extLst>
+              <a:ext uri="{FF2B5EF4-FFF2-40B4-BE49-F238E27FC236}">
+                <a16:creationId xmlns:a16="http://schemas.microsoft.com/office/drawing/2014/main" id="{EEBEFA9C-FA7F-26B7-1A26-8DBCAA3A9758}"/>
+              </a:ext>
+            </a:extLst>
+          </p:cNvPr>
+          <p:cNvPicPr>
+            <a:picLocks noChangeAspect="1"/>
+          </p:cNvPicPr>
+          <p:nvPr/>
+        </p:nvPicPr>
+        <p:blipFill>
+          <a:blip r:embed="rId2">
+            <a:extLst>
+              <a:ext uri="{28A0092B-C50C-407E-A947-70E740481C1C}">
+                <a14:useLocalDpi xmlns:a14="http://schemas.microsoft.com/office/drawing/2010/main" val="0"/>
+              </a:ext>
+            </a:extLst>
+          </a:blip>
+          <a:stretch>
+            <a:fillRect/>
+          </a:stretch>
+        </p:blipFill>
+        <p:spPr>
+          <a:xfrm>
+            <a:off x="420561" y="1729211"/>
+            <a:ext cx="5112305" cy="3812291"/>
+          </a:xfrm>
+          <a:prstGeom prst="rect">
+            <a:avLst/>
+          </a:prstGeom>
+        </p:spPr>
+      </p:pic>
+      <p:sp>
+        <p:nvSpPr>
+          <p:cNvPr id="5" name="TextBox 4">
+            <a:extLst>
+              <a:ext uri="{FF2B5EF4-FFF2-40B4-BE49-F238E27FC236}">
+                <a16:creationId xmlns:a16="http://schemas.microsoft.com/office/drawing/2014/main" id="{CF202BC6-FE8D-36FE-AC6B-A66196640D38}"/>
+              </a:ext>
+            </a:extLst>
+          </p:cNvPr>
+          <p:cNvSpPr txBox="1"/>
+          <p:nvPr/>
+        </p:nvSpPr>
+        <p:spPr>
+          <a:xfrm>
+            <a:off x="1705469" y="5633686"/>
+            <a:ext cx="2542491" cy="523220"/>
+          </a:xfrm>
+          <a:prstGeom prst="rect">
+            <a:avLst/>
+          </a:prstGeom>
+          <a:noFill/>
+        </p:spPr>
+        <p:txBody>
+          <a:bodyPr wrap="none" rtlCol="0">
+            <a:spAutoFit/>
+          </a:bodyPr>
+          <a:lstStyle/>
+          <a:p>
+            <a:pPr algn="ctr"/>
+            <a:r>
+              <a:rPr lang="ru-RU" sz="1400" b="1" dirty="0">
+                <a:latin typeface="Times New Roman" panose="02020603050405020304" pitchFamily="18" charset="0"/>
+                <a:cs typeface="Times New Roman" panose="02020603050405020304" pitchFamily="18" charset="0"/>
+              </a:rPr>
+              <a:t>Георгий Иванович Челпанов</a:t>
+            </a:r>
+          </a:p>
+          <a:p>
+            <a:pPr algn="ctr"/>
+            <a:r>
+              <a:rPr lang="ru-RU" sz="1400" b="1" dirty="0">
+                <a:latin typeface="Times New Roman" panose="02020603050405020304" pitchFamily="18" charset="0"/>
+                <a:cs typeface="Times New Roman" panose="02020603050405020304" pitchFamily="18" charset="0"/>
+              </a:rPr>
+              <a:t>1862 - 1936</a:t>
+            </a:r>
+          </a:p>
+        </p:txBody>
+      </p:sp>
+      <p:pic>
+        <p:nvPicPr>
+          <p:cNvPr id="7" name="Рисунок 6">
+            <a:extLst>
+              <a:ext uri="{FF2B5EF4-FFF2-40B4-BE49-F238E27FC236}">
+                <a16:creationId xmlns:a16="http://schemas.microsoft.com/office/drawing/2014/main" id="{457C42BC-3BF7-25F9-C84F-62A24552EB5E}"/>
+              </a:ext>
+            </a:extLst>
+          </p:cNvPr>
+          <p:cNvPicPr>
+            <a:picLocks noChangeAspect="1"/>
+          </p:cNvPicPr>
+          <p:nvPr/>
+        </p:nvPicPr>
+        <p:blipFill>
+          <a:blip r:embed="rId3">
+            <a:extLst>
+              <a:ext uri="{28A0092B-C50C-407E-A947-70E740481C1C}">
+                <a14:useLocalDpi xmlns:a14="http://schemas.microsoft.com/office/drawing/2010/main" val="0"/>
+              </a:ext>
+            </a:extLst>
+          </a:blip>
+          <a:stretch>
+            <a:fillRect/>
+          </a:stretch>
+        </p:blipFill>
+        <p:spPr>
+          <a:xfrm>
+            <a:off x="7878658" y="1574887"/>
+            <a:ext cx="2245911" cy="4120937"/>
+          </a:xfrm>
+          <a:prstGeom prst="rect">
+            <a:avLst/>
+          </a:prstGeom>
+        </p:spPr>
+      </p:pic>
+    </p:spTree>
+    <p:extLst>
+      <p:ext uri="{BB962C8B-B14F-4D97-AF65-F5344CB8AC3E}">
+        <p14:creationId xmlns:p14="http://schemas.microsoft.com/office/powerpoint/2010/main" val="696783829"/>
+      </p:ext>
+    </p:extLst>
+  </p:cSld>
+  <p:clrMapOvr>
+    <a:masterClrMapping/>
+  </p:clrMapOvr>
+</p:sld>
+</file>
+
+<file path=ppt/slides/slide7.xml><?xml version="1.0" encoding="utf-8"?>
+<p:sld xmlns:a="http://schemas.openxmlformats.org/drawingml/2006/main" xmlns:r="http://schemas.openxmlformats.org/officeDocument/2006/relationships" xmlns:p="http://schemas.openxmlformats.org/presentationml/2006/main">
+  <p:cSld>
+    <p:spTree>
+      <p:nvGrpSpPr>
+        <p:cNvPr id="1" name=""/>
+        <p:cNvGrpSpPr/>
+        <p:nvPr/>
+      </p:nvGrpSpPr>
+      <p:grpSpPr>
+        <a:xfrm>
+          <a:off x="0" y="0"/>
+          <a:ext cx="0" cy="0"/>
+          <a:chOff x="0" y="0"/>
+          <a:chExt cx="0" cy="0"/>
+        </a:xfrm>
+      </p:grpSpPr>
+      <p:sp>
+        <p:nvSpPr>
+          <p:cNvPr id="2" name="TextBox 1">
+            <a:extLst>
+              <a:ext uri="{FF2B5EF4-FFF2-40B4-BE49-F238E27FC236}">
+                <a16:creationId xmlns:a16="http://schemas.microsoft.com/office/drawing/2014/main" id="{E183902C-4F87-E0E2-4D1C-482CDF232009}"/>
+              </a:ext>
+            </a:extLst>
+          </p:cNvPr>
+          <p:cNvSpPr txBox="1"/>
+          <p:nvPr/>
+        </p:nvSpPr>
+        <p:spPr>
+          <a:xfrm>
+            <a:off x="1789180" y="975769"/>
+            <a:ext cx="8613640" cy="461665"/>
+          </a:xfrm>
+          <a:prstGeom prst="rect">
+            <a:avLst/>
+          </a:prstGeom>
+          <a:noFill/>
+        </p:spPr>
+        <p:txBody>
+          <a:bodyPr wrap="none" rtlCol="0">
+            <a:spAutoFit/>
+          </a:bodyPr>
+          <a:lstStyle/>
+          <a:p>
+            <a:pPr algn="ctr"/>
+            <a:r>
+              <a:rPr lang="ru-RU" sz="2400" b="1" dirty="0">
+                <a:latin typeface="Times New Roman" panose="02020603050405020304" pitchFamily="18" charset="0"/>
+                <a:cs typeface="Times New Roman" panose="02020603050405020304" pitchFamily="18" charset="0"/>
+              </a:rPr>
+              <a:t>Два метода экспериментальной психологии. Объективный.</a:t>
+            </a:r>
+          </a:p>
+        </p:txBody>
+      </p:sp>
+      <p:pic>
+        <p:nvPicPr>
+          <p:cNvPr id="8" name="Рисунок 7">
+            <a:extLst>
+              <a:ext uri="{FF2B5EF4-FFF2-40B4-BE49-F238E27FC236}">
+                <a16:creationId xmlns:a16="http://schemas.microsoft.com/office/drawing/2014/main" id="{5A64FF06-BCA9-D2C3-ED82-F410486D7EA1}"/>
+              </a:ext>
+            </a:extLst>
+          </p:cNvPr>
+          <p:cNvPicPr>
+            <a:picLocks noChangeAspect="1"/>
+          </p:cNvPicPr>
+          <p:nvPr/>
+        </p:nvPicPr>
+        <p:blipFill>
+          <a:blip r:embed="rId2">
+            <a:extLst>
+              <a:ext uri="{28A0092B-C50C-407E-A947-70E740481C1C}">
+                <a14:useLocalDpi xmlns:a14="http://schemas.microsoft.com/office/drawing/2010/main" val="0"/>
+              </a:ext>
+            </a:extLst>
+          </a:blip>
+          <a:stretch>
+            <a:fillRect/>
+          </a:stretch>
+        </p:blipFill>
+        <p:spPr>
+          <a:xfrm>
+            <a:off x="1626282" y="1615601"/>
+            <a:ext cx="2804569" cy="3901483"/>
+          </a:xfrm>
+          <a:prstGeom prst="rect">
+            <a:avLst/>
+          </a:prstGeom>
+        </p:spPr>
+      </p:pic>
+      <p:sp>
+        <p:nvSpPr>
+          <p:cNvPr id="9" name="TextBox 8">
+            <a:extLst>
+              <a:ext uri="{FF2B5EF4-FFF2-40B4-BE49-F238E27FC236}">
+                <a16:creationId xmlns:a16="http://schemas.microsoft.com/office/drawing/2014/main" id="{D767801A-8E0B-0FC0-C7BE-832102E03BC5}"/>
+              </a:ext>
+            </a:extLst>
+          </p:cNvPr>
+          <p:cNvSpPr txBox="1"/>
+          <p:nvPr/>
+        </p:nvSpPr>
+        <p:spPr>
+          <a:xfrm>
+            <a:off x="1781590" y="5695251"/>
+            <a:ext cx="2493952" cy="523220"/>
+          </a:xfrm>
+          <a:prstGeom prst="rect">
+            <a:avLst/>
+          </a:prstGeom>
+          <a:noFill/>
+        </p:spPr>
+        <p:txBody>
+          <a:bodyPr wrap="none" rtlCol="0">
+            <a:spAutoFit/>
+          </a:bodyPr>
+          <a:lstStyle/>
+          <a:p>
+            <a:pPr algn="ctr"/>
+            <a:r>
+              <a:rPr lang="ru-RU" sz="1400" b="1" dirty="0">
+                <a:latin typeface="Times New Roman" panose="02020603050405020304" pitchFamily="18" charset="0"/>
+                <a:cs typeface="Times New Roman" panose="02020603050405020304" pitchFamily="18" charset="0"/>
+              </a:rPr>
+              <a:t>Николай Николаевич Ланге</a:t>
+            </a:r>
+          </a:p>
+          <a:p>
+            <a:pPr algn="ctr"/>
+            <a:r>
+              <a:rPr lang="ru-RU" sz="1400" b="1" dirty="0">
+                <a:latin typeface="Times New Roman" panose="02020603050405020304" pitchFamily="18" charset="0"/>
+                <a:cs typeface="Times New Roman" panose="02020603050405020304" pitchFamily="18" charset="0"/>
+              </a:rPr>
+              <a:t>1858 - 1921</a:t>
+            </a:r>
+          </a:p>
+        </p:txBody>
+      </p:sp>
+      <p:pic>
+        <p:nvPicPr>
+          <p:cNvPr id="11" name="Рисунок 10">
+            <a:extLst>
+              <a:ext uri="{FF2B5EF4-FFF2-40B4-BE49-F238E27FC236}">
+                <a16:creationId xmlns:a16="http://schemas.microsoft.com/office/drawing/2014/main" id="{E8E89EFB-68CB-AA01-01A1-C205677D81A1}"/>
+              </a:ext>
+            </a:extLst>
+          </p:cNvPr>
+          <p:cNvPicPr>
+            <a:picLocks noChangeAspect="1"/>
+          </p:cNvPicPr>
+          <p:nvPr/>
+        </p:nvPicPr>
+        <p:blipFill>
+          <a:blip r:embed="rId3">
+            <a:extLst>
+              <a:ext uri="{28A0092B-C50C-407E-A947-70E740481C1C}">
+                <a14:useLocalDpi xmlns:a14="http://schemas.microsoft.com/office/drawing/2010/main" val="0"/>
+              </a:ext>
+            </a:extLst>
+          </a:blip>
+          <a:stretch>
+            <a:fillRect/>
+          </a:stretch>
+        </p:blipFill>
+        <p:spPr>
+          <a:xfrm>
+            <a:off x="6501337" y="1615601"/>
+            <a:ext cx="3901483" cy="3901483"/>
+          </a:xfrm>
+          <a:prstGeom prst="rect">
+            <a:avLst/>
+          </a:prstGeom>
+        </p:spPr>
+      </p:pic>
+    </p:spTree>
+    <p:extLst>
+      <p:ext uri="{BB962C8B-B14F-4D97-AF65-F5344CB8AC3E}">
+        <p14:creationId xmlns:p14="http://schemas.microsoft.com/office/powerpoint/2010/main" val="2767727351"/>
+      </p:ext>
+    </p:extLst>
+  </p:cSld>
+  <p:clrMapOvr>
+    <a:masterClrMapping/>
+  </p:clrMapOvr>
+</p:sld>
+</file>
+
+<file path=ppt/slides/slide8.xml><?xml version="1.0" encoding="utf-8"?>
+<p:sld xmlns:a="http://schemas.openxmlformats.org/drawingml/2006/main" xmlns:r="http://schemas.openxmlformats.org/officeDocument/2006/relationships" xmlns:p="http://schemas.openxmlformats.org/presentationml/2006/main">
+  <p:cSld>
+    <p:spTree>
+      <p:nvGrpSpPr>
+        <p:cNvPr id="1" name=""/>
+        <p:cNvGrpSpPr/>
+        <p:nvPr/>
+      </p:nvGrpSpPr>
+      <p:grpSpPr>
+        <a:xfrm>
+          <a:off x="0" y="0"/>
+          <a:ext cx="0" cy="0"/>
+          <a:chOff x="0" y="0"/>
+          <a:chExt cx="0" cy="0"/>
+        </a:xfrm>
+      </p:grpSpPr>
+      <p:sp>
+        <p:nvSpPr>
+          <p:cNvPr id="2" name="TextBox 1">
+            <a:extLst>
+              <a:ext uri="{FF2B5EF4-FFF2-40B4-BE49-F238E27FC236}">
+                <a16:creationId xmlns:a16="http://schemas.microsoft.com/office/drawing/2014/main" id="{1D86581B-95C6-0A09-8D6B-6BB3F03FAD53}"/>
+              </a:ext>
+            </a:extLst>
+          </p:cNvPr>
+          <p:cNvSpPr txBox="1"/>
+          <p:nvPr/>
+        </p:nvSpPr>
+        <p:spPr>
+          <a:xfrm>
+            <a:off x="2993548" y="871442"/>
+            <a:ext cx="6204904" cy="461665"/>
+          </a:xfrm>
+          <a:prstGeom prst="rect">
+            <a:avLst/>
+          </a:prstGeom>
+          <a:noFill/>
+        </p:spPr>
+        <p:txBody>
+          <a:bodyPr wrap="none" rtlCol="0">
+            <a:spAutoFit/>
+          </a:bodyPr>
+          <a:lstStyle/>
+          <a:p>
+            <a:pPr algn="ctr"/>
+            <a:r>
+              <a:rPr lang="ru-RU" sz="2400" b="1" dirty="0">
+                <a:latin typeface="Times New Roman" panose="02020603050405020304" pitchFamily="18" charset="0"/>
+                <a:cs typeface="Times New Roman" panose="02020603050405020304" pitchFamily="18" charset="0"/>
+              </a:rPr>
+              <a:t>Двойственное изображение </a:t>
+            </a:r>
+            <a:r>
+              <a:rPr lang="en-US" sz="2400" b="1" dirty="0">
+                <a:latin typeface="Times New Roman" panose="02020603050405020304" pitchFamily="18" charset="0"/>
+                <a:cs typeface="Times New Roman" panose="02020603050405020304" pitchFamily="18" charset="0"/>
+              </a:rPr>
+              <a:t>“</a:t>
+            </a:r>
+            <a:r>
+              <a:rPr lang="ru-RU" sz="2400" b="1" dirty="0">
+                <a:latin typeface="Times New Roman" panose="02020603050405020304" pitchFamily="18" charset="0"/>
+                <a:cs typeface="Times New Roman" panose="02020603050405020304" pitchFamily="18" charset="0"/>
+              </a:rPr>
+              <a:t>Утка-кролик</a:t>
+            </a:r>
+            <a:r>
+              <a:rPr lang="en-US" sz="2400" b="1" dirty="0">
+                <a:latin typeface="Times New Roman" panose="02020603050405020304" pitchFamily="18" charset="0"/>
+                <a:cs typeface="Times New Roman" panose="02020603050405020304" pitchFamily="18" charset="0"/>
+              </a:rPr>
+              <a:t>”</a:t>
+            </a:r>
+            <a:endParaRPr lang="ru-RU" sz="2400" b="1" dirty="0">
+              <a:latin typeface="Times New Roman" panose="02020603050405020304" pitchFamily="18" charset="0"/>
+              <a:cs typeface="Times New Roman" panose="02020603050405020304" pitchFamily="18" charset="0"/>
+            </a:endParaRPr>
+          </a:p>
+        </p:txBody>
+      </p:sp>
+      <p:pic>
+        <p:nvPicPr>
+          <p:cNvPr id="4" name="Рисунок 3">
+            <a:extLst>
+              <a:ext uri="{FF2B5EF4-FFF2-40B4-BE49-F238E27FC236}">
+                <a16:creationId xmlns:a16="http://schemas.microsoft.com/office/drawing/2014/main" id="{681092F3-A1B4-1BEF-5DA6-D550614F2457}"/>
+              </a:ext>
+            </a:extLst>
+          </p:cNvPr>
+          <p:cNvPicPr>
+            <a:picLocks noChangeAspect="1"/>
+          </p:cNvPicPr>
+          <p:nvPr/>
+        </p:nvPicPr>
+        <p:blipFill>
+          <a:blip r:embed="rId2">
+            <a:extLst>
+              <a:ext uri="{28A0092B-C50C-407E-A947-70E740481C1C}">
+                <a14:useLocalDpi xmlns:a14="http://schemas.microsoft.com/office/drawing/2010/main" val="0"/>
+              </a:ext>
+            </a:extLst>
+          </a:blip>
+          <a:stretch>
+            <a:fillRect/>
+          </a:stretch>
+        </p:blipFill>
+        <p:spPr>
+          <a:xfrm>
+            <a:off x="2409548" y="1380766"/>
+            <a:ext cx="7256089" cy="4835458"/>
+          </a:xfrm>
+          <a:prstGeom prst="rect">
+            <a:avLst/>
+          </a:prstGeom>
+        </p:spPr>
+      </p:pic>
+    </p:spTree>
+    <p:extLst>
+      <p:ext uri="{BB962C8B-B14F-4D97-AF65-F5344CB8AC3E}">
+        <p14:creationId xmlns:p14="http://schemas.microsoft.com/office/powerpoint/2010/main" val="2126201026"/>
       </p:ext>
     </p:extLst>
   </p:cSld>

--- a/СТАНОВЛЕНИЕ И РАЗВИТИЕ ПСИХОЛОГИИ В РОССИИ.pptx
+++ b/СТАНОВЛЕНИЕ И РАЗВИТИЕ ПСИХОЛОГИИ В РОССИИ.pptx
@@ -204,7 +204,7 @@
           <a:p>
             <a:fld id="{FA07697B-0C97-4A55-9878-8211CE9FFAF3}" type="datetimeFigureOut">
               <a:rPr lang="ru-RU" smtClean="0"/>
-              <a:t>20.09.2025</a:t>
+              <a:t>22.09.2025</a:t>
             </a:fld>
             <a:endParaRPr lang="ru-RU" dirty="0"/>
           </a:p>
@@ -526,7 +526,7 @@
           <a:p>
             <a:fld id="{BB0B8E44-4042-4A4D-BD9E-0D9221AD271A}" type="datetimeFigureOut">
               <a:rPr lang="ru-RU" smtClean="0"/>
-              <a:t>20.09.2025</a:t>
+              <a:t>22.09.2025</a:t>
             </a:fld>
             <a:endParaRPr lang="ru-RU" dirty="0"/>
           </a:p>
@@ -583,256 +583,6 @@
               <a:t>‹#›</a:t>
             </a:fld>
             <a:endParaRPr lang="ru-RU" dirty="0"/>
-          </a:p>
-        </p:txBody>
-      </p:sp>
-      <p:sp>
-        <p:nvSpPr>
-          <p:cNvPr id="7" name="TextBox 6">
-            <a:extLst>
-              <a:ext uri="{FF2B5EF4-FFF2-40B4-BE49-F238E27FC236}">
-                <a16:creationId xmlns:a16="http://schemas.microsoft.com/office/drawing/2014/main" id="{FBDC0153-FA90-C25A-EB71-3E2237C78284}"/>
-              </a:ext>
-            </a:extLst>
-          </p:cNvPr>
-          <p:cNvSpPr txBox="1"/>
-          <p:nvPr userDrawn="1"/>
-        </p:nvSpPr>
-        <p:spPr>
-          <a:xfrm>
-            <a:off x="386627" y="319120"/>
-            <a:ext cx="11598765" cy="1015663"/>
-          </a:xfrm>
-          <a:prstGeom prst="rect">
-            <a:avLst/>
-          </a:prstGeom>
-          <a:noFill/>
-        </p:spPr>
-        <p:txBody>
-          <a:bodyPr wrap="square" rtlCol="0">
-            <a:spAutoFit/>
-          </a:bodyPr>
-          <a:lstStyle/>
-          <a:p>
-            <a:pPr algn="ctr"/>
-            <a:r>
-              <a:rPr lang="ru-RU" sz="2000" b="1" dirty="0">
-                <a:latin typeface="Times New Roman" panose="02020603050405020304" pitchFamily="18" charset="0"/>
-                <a:cs typeface="Times New Roman" panose="02020603050405020304" pitchFamily="18" charset="0"/>
-              </a:rPr>
-              <a:t>МИНОБРНАУКИ РФ</a:t>
-            </a:r>
-          </a:p>
-          <a:p>
-            <a:pPr algn="ctr"/>
-            <a:r>
-              <a:rPr lang="ru-RU" sz="2000" b="1" dirty="0">
-                <a:latin typeface="Times New Roman" panose="02020603050405020304" pitchFamily="18" charset="0"/>
-                <a:cs typeface="Times New Roman" panose="02020603050405020304" pitchFamily="18" charset="0"/>
-              </a:rPr>
-              <a:t>ФГБОУ ВПО Тверской государственный технический университет</a:t>
-            </a:r>
-          </a:p>
-          <a:p>
-            <a:pPr algn="ctr"/>
-            <a:r>
-              <a:rPr lang="ru-RU" sz="2000" b="1" dirty="0">
-                <a:latin typeface="Times New Roman" panose="02020603050405020304" pitchFamily="18" charset="0"/>
-                <a:cs typeface="Times New Roman" panose="02020603050405020304" pitchFamily="18" charset="0"/>
-              </a:rPr>
-              <a:t>Кафедра “кафедра”</a:t>
-            </a:r>
-          </a:p>
-        </p:txBody>
-      </p:sp>
-      <p:sp>
-        <p:nvSpPr>
-          <p:cNvPr id="8" name="TextBox 7">
-            <a:extLst>
-              <a:ext uri="{FF2B5EF4-FFF2-40B4-BE49-F238E27FC236}">
-                <a16:creationId xmlns:a16="http://schemas.microsoft.com/office/drawing/2014/main" id="{85CB5CE7-44DE-5C2F-C1D5-996D1AE1AEB7}"/>
-              </a:ext>
-            </a:extLst>
-          </p:cNvPr>
-          <p:cNvSpPr txBox="1"/>
-          <p:nvPr userDrawn="1"/>
-        </p:nvSpPr>
-        <p:spPr>
-          <a:xfrm>
-            <a:off x="2490264" y="2580417"/>
-            <a:ext cx="7211471" cy="1569660"/>
-          </a:xfrm>
-          <a:prstGeom prst="rect">
-            <a:avLst/>
-          </a:prstGeom>
-          <a:noFill/>
-        </p:spPr>
-        <p:txBody>
-          <a:bodyPr wrap="square" rtlCol="0">
-            <a:spAutoFit/>
-          </a:bodyPr>
-          <a:lstStyle/>
-          <a:p>
-            <a:pPr algn="ctr"/>
-            <a:r>
-              <a:rPr lang="ru-RU" b="1" dirty="0">
-                <a:latin typeface="Times New Roman" panose="02020603050405020304" pitchFamily="18" charset="0"/>
-                <a:cs typeface="Times New Roman" panose="02020603050405020304" pitchFamily="18" charset="0"/>
-              </a:rPr>
-              <a:t>Работа</a:t>
-            </a:r>
-          </a:p>
-          <a:p>
-            <a:pPr algn="ctr"/>
-            <a:r>
-              <a:rPr lang="ru-RU" b="1" dirty="0">
-                <a:latin typeface="Times New Roman" panose="02020603050405020304" pitchFamily="18" charset="0"/>
-                <a:cs typeface="Times New Roman" panose="02020603050405020304" pitchFamily="18" charset="0"/>
-              </a:rPr>
-              <a:t>дисциплина “дисциплина”</a:t>
-            </a:r>
-          </a:p>
-          <a:p>
-            <a:pPr algn="ctr"/>
-            <a:endParaRPr lang="ru-RU" b="1" dirty="0">
-              <a:latin typeface="Times New Roman" panose="02020603050405020304" pitchFamily="18" charset="0"/>
-              <a:cs typeface="Times New Roman" panose="02020603050405020304" pitchFamily="18" charset="0"/>
-            </a:endParaRPr>
-          </a:p>
-          <a:p>
-            <a:pPr algn="ctr"/>
-            <a:endParaRPr lang="ru-RU" b="1" dirty="0">
-              <a:latin typeface="Times New Roman" panose="02020603050405020304" pitchFamily="18" charset="0"/>
-              <a:cs typeface="Times New Roman" panose="02020603050405020304" pitchFamily="18" charset="0"/>
-            </a:endParaRPr>
-          </a:p>
-          <a:p>
-            <a:pPr algn="ctr"/>
-            <a:r>
-              <a:rPr lang="ru-RU" sz="2400" b="1" dirty="0">
-                <a:latin typeface="Times New Roman" panose="02020603050405020304" pitchFamily="18" charset="0"/>
-                <a:cs typeface="Times New Roman" panose="02020603050405020304" pitchFamily="18" charset="0"/>
-              </a:rPr>
-              <a:t>Тема</a:t>
-            </a:r>
-          </a:p>
-        </p:txBody>
-      </p:sp>
-      <p:sp>
-        <p:nvSpPr>
-          <p:cNvPr id="9" name="TextBox 8">
-            <a:extLst>
-              <a:ext uri="{FF2B5EF4-FFF2-40B4-BE49-F238E27FC236}">
-                <a16:creationId xmlns:a16="http://schemas.microsoft.com/office/drawing/2014/main" id="{0F0C466B-B210-501A-B32D-6DAD456C60F7}"/>
-              </a:ext>
-            </a:extLst>
-          </p:cNvPr>
-          <p:cNvSpPr txBox="1"/>
-          <p:nvPr userDrawn="1"/>
-        </p:nvSpPr>
-        <p:spPr>
-          <a:xfrm>
-            <a:off x="5114693" y="6371063"/>
-            <a:ext cx="2163336" cy="369332"/>
-          </a:xfrm>
-          <a:prstGeom prst="rect">
-            <a:avLst/>
-          </a:prstGeom>
-          <a:noFill/>
-        </p:spPr>
-        <p:txBody>
-          <a:bodyPr wrap="square" rtlCol="0">
-            <a:spAutoFit/>
-          </a:bodyPr>
-          <a:lstStyle/>
-          <a:p>
-            <a:pPr algn="ctr"/>
-            <a:r>
-              <a:rPr lang="ru-RU" b="1" dirty="0">
-                <a:latin typeface="Times New Roman" panose="02020603050405020304" pitchFamily="18" charset="0"/>
-                <a:cs typeface="Times New Roman" panose="02020603050405020304" pitchFamily="18" charset="0"/>
-              </a:rPr>
-              <a:t>Город год</a:t>
-            </a:r>
-          </a:p>
-        </p:txBody>
-      </p:sp>
-      <p:sp>
-        <p:nvSpPr>
-          <p:cNvPr id="10" name="TextBox 9">
-            <a:extLst>
-              <a:ext uri="{FF2B5EF4-FFF2-40B4-BE49-F238E27FC236}">
-                <a16:creationId xmlns:a16="http://schemas.microsoft.com/office/drawing/2014/main" id="{566CA3AA-67F8-AAB3-DD34-FE18B5AF73C6}"/>
-              </a:ext>
-            </a:extLst>
-          </p:cNvPr>
-          <p:cNvSpPr txBox="1"/>
-          <p:nvPr userDrawn="1"/>
-        </p:nvSpPr>
-        <p:spPr>
-          <a:xfrm>
-            <a:off x="8573119" y="4920853"/>
-            <a:ext cx="3412273" cy="1754326"/>
-          </a:xfrm>
-          <a:prstGeom prst="rect">
-            <a:avLst/>
-          </a:prstGeom>
-          <a:noFill/>
-        </p:spPr>
-        <p:txBody>
-          <a:bodyPr wrap="square" rtlCol="0">
-            <a:spAutoFit/>
-          </a:bodyPr>
-          <a:lstStyle/>
-          <a:p>
-            <a:pPr algn="r"/>
-            <a:r>
-              <a:rPr lang="ru-RU" dirty="0">
-                <a:latin typeface="Times New Roman" panose="02020603050405020304" pitchFamily="18" charset="0"/>
-                <a:cs typeface="Times New Roman" panose="02020603050405020304" pitchFamily="18" charset="0"/>
-              </a:rPr>
-              <a:t>Выполнил: студент группы </a:t>
-            </a:r>
-          </a:p>
-          <a:p>
-            <a:pPr algn="r"/>
-            <a:r>
-              <a:rPr lang="ru-RU" dirty="0">
-                <a:latin typeface="Times New Roman" panose="02020603050405020304" pitchFamily="18" charset="0"/>
-                <a:cs typeface="Times New Roman" panose="02020603050405020304" pitchFamily="18" charset="0"/>
-              </a:rPr>
-              <a:t>Б.ПИН.РИС 24.06</a:t>
-            </a:r>
-          </a:p>
-          <a:p>
-            <a:pPr algn="r"/>
-            <a:r>
-              <a:rPr lang="ru-RU" b="1" dirty="0">
-                <a:latin typeface="Times New Roman" panose="02020603050405020304" pitchFamily="18" charset="0"/>
-                <a:cs typeface="Times New Roman" panose="02020603050405020304" pitchFamily="18" charset="0"/>
-              </a:rPr>
-              <a:t>Фамилия Имя Отчество</a:t>
-            </a:r>
-          </a:p>
-          <a:p>
-            <a:pPr algn="r"/>
-            <a:r>
-              <a:rPr lang="ru-RU" dirty="0">
-                <a:latin typeface="Times New Roman" panose="02020603050405020304" pitchFamily="18" charset="0"/>
-                <a:cs typeface="Times New Roman" panose="02020603050405020304" pitchFamily="18" charset="0"/>
-              </a:rPr>
-              <a:t>                                                               Проверил: </a:t>
-            </a:r>
-          </a:p>
-          <a:p>
-            <a:pPr algn="r"/>
-            <a:r>
-              <a:rPr lang="ru-RU" b="1" dirty="0">
-                <a:latin typeface="Times New Roman" panose="02020603050405020304" pitchFamily="18" charset="0"/>
-                <a:cs typeface="Times New Roman" panose="02020603050405020304" pitchFamily="18" charset="0"/>
-              </a:rPr>
-              <a:t>Преподаватель</a:t>
-            </a:r>
           </a:p>
         </p:txBody>
       </p:sp>
@@ -1026,7 +776,7 @@
           <a:p>
             <a:fld id="{BB0B8E44-4042-4A4D-BD9E-0D9221AD271A}" type="datetimeFigureOut">
               <a:rPr lang="ru-RU" smtClean="0"/>
-              <a:t>20.09.2025</a:t>
+              <a:t>22.09.2025</a:t>
             </a:fld>
             <a:endParaRPr lang="ru-RU" dirty="0"/>
           </a:p>
@@ -1244,7 +994,7 @@
           <a:p>
             <a:fld id="{BB0B8E44-4042-4A4D-BD9E-0D9221AD271A}" type="datetimeFigureOut">
               <a:rPr lang="ru-RU" smtClean="0"/>
-              <a:t>20.09.2025</a:t>
+              <a:t>22.09.2025</a:t>
             </a:fld>
             <a:endParaRPr lang="ru-RU" dirty="0"/>
           </a:p>
@@ -1357,7 +1107,7 @@
           <a:p>
             <a:fld id="{2C0D544C-1EFD-4420-A77D-8BC44231D6AE}" type="datetimeFigureOut">
               <a:rPr lang="ru-RU" smtClean="0"/>
-              <a:t>20.09.2025</a:t>
+              <a:t>22.09.2025</a:t>
             </a:fld>
             <a:endParaRPr lang="ru-RU" dirty="0"/>
           </a:p>
@@ -1695,7 +1445,7 @@
           <a:p>
             <a:fld id="{BB0B8E44-4042-4A4D-BD9E-0D9221AD271A}" type="datetimeFigureOut">
               <a:rPr lang="ru-RU" smtClean="0"/>
-              <a:t>20.09.2025</a:t>
+              <a:t>22.09.2025</a:t>
             </a:fld>
             <a:endParaRPr lang="ru-RU" dirty="0"/>
           </a:p>
@@ -1976,7 +1726,7 @@
           <a:p>
             <a:fld id="{BB0B8E44-4042-4A4D-BD9E-0D9221AD271A}" type="datetimeFigureOut">
               <a:rPr lang="ru-RU" smtClean="0"/>
-              <a:t>20.09.2025</a:t>
+              <a:t>22.09.2025</a:t>
             </a:fld>
             <a:endParaRPr lang="ru-RU" dirty="0"/>
           </a:p>
@@ -2255,7 +2005,7 @@
           <a:p>
             <a:fld id="{BB0B8E44-4042-4A4D-BD9E-0D9221AD271A}" type="datetimeFigureOut">
               <a:rPr lang="ru-RU" smtClean="0"/>
-              <a:t>20.09.2025</a:t>
+              <a:t>22.09.2025</a:t>
             </a:fld>
             <a:endParaRPr lang="ru-RU" dirty="0"/>
           </a:p>
@@ -2682,7 +2432,7 @@
           <a:p>
             <a:fld id="{BB0B8E44-4042-4A4D-BD9E-0D9221AD271A}" type="datetimeFigureOut">
               <a:rPr lang="ru-RU" smtClean="0"/>
-              <a:t>20.09.2025</a:t>
+              <a:t>22.09.2025</a:t>
             </a:fld>
             <a:endParaRPr lang="ru-RU" dirty="0"/>
           </a:p>
@@ -2831,7 +2581,7 @@
           <a:p>
             <a:fld id="{BB0B8E44-4042-4A4D-BD9E-0D9221AD271A}" type="datetimeFigureOut">
               <a:rPr lang="ru-RU" smtClean="0"/>
-              <a:t>20.09.2025</a:t>
+              <a:t>22.09.2025</a:t>
             </a:fld>
             <a:endParaRPr lang="ru-RU" dirty="0"/>
           </a:p>
@@ -2944,7 +2694,7 @@
           <a:p>
             <a:fld id="{BB0B8E44-4042-4A4D-BD9E-0D9221AD271A}" type="datetimeFigureOut">
               <a:rPr lang="ru-RU" smtClean="0"/>
-              <a:t>20.09.2025</a:t>
+              <a:t>22.09.2025</a:t>
             </a:fld>
             <a:endParaRPr lang="ru-RU" dirty="0"/>
           </a:p>
@@ -3264,7 +3014,7 @@
           <a:p>
             <a:fld id="{BB0B8E44-4042-4A4D-BD9E-0D9221AD271A}" type="datetimeFigureOut">
               <a:rPr lang="ru-RU" smtClean="0"/>
-              <a:t>20.09.2025</a:t>
+              <a:t>22.09.2025</a:t>
             </a:fld>
             <a:endParaRPr lang="ru-RU" dirty="0"/>
           </a:p>
@@ -3561,7 +3311,7 @@
           <a:p>
             <a:fld id="{BB0B8E44-4042-4A4D-BD9E-0D9221AD271A}" type="datetimeFigureOut">
               <a:rPr lang="ru-RU" smtClean="0"/>
-              <a:t>20.09.2025</a:t>
+              <a:t>22.09.2025</a:t>
             </a:fld>
             <a:endParaRPr lang="ru-RU" dirty="0"/>
           </a:p>
@@ -3697,7 +3447,7 @@
           <a:p>
             <a:fld id="{BB0B8E44-4042-4A4D-BD9E-0D9221AD271A}" type="datetimeFigureOut">
               <a:rPr lang="ru-RU" smtClean="0"/>
-              <a:t>20.09.2025</a:t>
+              <a:t>22.09.2025</a:t>
             </a:fld>
             <a:endParaRPr lang="ru-RU" dirty="0"/>
           </a:p>
